--- a/documentation/Онлайн Магазин.pptx
+++ b/documentation/Онлайн Магазин.pptx
@@ -19,21 +19,23 @@
     <p:sldId id="264" r:id="rId14"/>
     <p:sldId id="265" r:id="rId15"/>
     <p:sldId id="266" r:id="rId16"/>
+    <p:sldId id="267" r:id="rId17"/>
+    <p:sldId id="268" r:id="rId18"/>
   </p:sldIdLst>
   <p:sldSz cy="5143500" cx="9144000"/>
   <p:notesSz cx="6858000" cy="9144000"/>
   <p:embeddedFontLst>
     <p:embeddedFont>
       <p:font typeface="Roboto"/>
-      <p:regular r:id="rId17"/>
-      <p:bold r:id="rId18"/>
-      <p:italic r:id="rId19"/>
-      <p:boldItalic r:id="rId20"/>
+      <p:regular r:id="rId19"/>
+      <p:bold r:id="rId20"/>
+      <p:italic r:id="rId21"/>
+      <p:boldItalic r:id="rId22"/>
     </p:embeddedFont>
     <p:embeddedFont>
       <p:font typeface="Comfortaa"/>
-      <p:regular r:id="rId21"/>
-      <p:bold r:id="rId22"/>
+      <p:regular r:id="rId23"/>
+      <p:bold r:id="rId24"/>
     </p:embeddedFont>
   </p:embeddedFontLst>
   <p:defaultTextStyle>
@@ -814,7 +816,7 @@
   <p:cSld>
     <p:spTree>
       <p:nvGrpSpPr>
-        <p:cNvPr id="143" name="Shape 143"/>
+        <p:cNvPr id="145" name="Shape 145"/>
         <p:cNvGrpSpPr/>
         <p:nvPr/>
       </p:nvGrpSpPr>
@@ -828,7 +830,7 @@
       </p:grpSpPr>
       <p:sp>
         <p:nvSpPr>
-          <p:cNvPr id="144" name="Google Shape;144;g1f7cb6f6f02_0_0:notes"/>
+          <p:cNvPr id="146" name="Google Shape;146;g1f7cb6f6f02_0_0:notes"/>
           <p:cNvSpPr/>
           <p:nvPr>
             <p:ph idx="2" type="sldImg"/>
@@ -863,7 +865,7 @@
       </p:sp>
       <p:sp>
         <p:nvSpPr>
-          <p:cNvPr id="145" name="Google Shape;145;g1f7cb6f6f02_0_0:notes"/>
+          <p:cNvPr id="147" name="Google Shape;147;g1f7cb6f6f02_0_0:notes"/>
           <p:cNvSpPr txBox="1"/>
           <p:nvPr>
             <p:ph idx="1" type="body"/>
@@ -913,7 +915,7 @@
   <p:cSld>
     <p:spTree>
       <p:nvGrpSpPr>
-        <p:cNvPr id="150" name="Shape 150"/>
+        <p:cNvPr id="152" name="Shape 152"/>
         <p:cNvGrpSpPr/>
         <p:nvPr/>
       </p:nvGrpSpPr>
@@ -927,7 +929,7 @@
       </p:grpSpPr>
       <p:sp>
         <p:nvSpPr>
-          <p:cNvPr id="151" name="Google Shape;151;g2ce4eb02ddf_0_48:notes"/>
+          <p:cNvPr id="153" name="Google Shape;153;g2cfb5212d6b_0_0:notes"/>
           <p:cNvSpPr/>
           <p:nvPr>
             <p:ph idx="2" type="sldImg"/>
@@ -962,7 +964,7 @@
       </p:sp>
       <p:sp>
         <p:nvSpPr>
-          <p:cNvPr id="152" name="Google Shape;152;g2ce4eb02ddf_0_48:notes"/>
+          <p:cNvPr id="154" name="Google Shape;154;g2cfb5212d6b_0_0:notes"/>
           <p:cNvSpPr txBox="1"/>
           <p:nvPr>
             <p:ph idx="1" type="body"/>
@@ -1007,12 +1009,12 @@
 </p:notes>
 </file>
 
-<file path=ppt/notesSlides/notesSlide2.xml><?xml version="1.0" encoding="utf-8"?>
+<file path=ppt/notesSlides/notesSlide12.xml><?xml version="1.0" encoding="utf-8"?>
 <p:notes xmlns:a="http://schemas.openxmlformats.org/drawingml/2006/main" xmlns:r="http://schemas.openxmlformats.org/officeDocument/2006/relationships" xmlns:mc="http://schemas.openxmlformats.org/markup-compatibility/2006" xmlns:mv="urn:schemas-microsoft-com:mac:vml" xmlns:p="http://schemas.openxmlformats.org/presentationml/2006/main" xmlns:c="http://schemas.openxmlformats.org/drawingml/2006/chart" xmlns:dgm="http://schemas.openxmlformats.org/drawingml/2006/diagram" xmlns:o="urn:schemas-microsoft-com:office:office" xmlns:v="urn:schemas-microsoft-com:vml" xmlns:pvml="urn:schemas-microsoft-com:office:powerpoint" xmlns:com="http://schemas.openxmlformats.org/drawingml/2006/compatibility" xmlns:p14="http://schemas.microsoft.com/office/powerpoint/2010/main" xmlns:p15="http://schemas.microsoft.com/office/powerpoint/2012/main" xmlns:ahyp="http://schemas.microsoft.com/office/drawing/2018/hyperlinkcolor" showMasterPhAnim="0" showMasterSp="0">
   <p:cSld>
     <p:spTree>
       <p:nvGrpSpPr>
-        <p:cNvPr id="87" name="Shape 87"/>
+        <p:cNvPr id="160" name="Shape 160"/>
         <p:cNvGrpSpPr/>
         <p:nvPr/>
       </p:nvGrpSpPr>
@@ -1026,7 +1028,7 @@
       </p:grpSpPr>
       <p:sp>
         <p:nvSpPr>
-          <p:cNvPr id="88" name="Google Shape;88;g2ce45f9857e_0_100:notes"/>
+          <p:cNvPr id="161" name="Google Shape;161;g2ce4eb02ddf_0_48:notes"/>
           <p:cNvSpPr/>
           <p:nvPr>
             <p:ph idx="2" type="sldImg"/>
@@ -1061,7 +1063,7 @@
       </p:sp>
       <p:sp>
         <p:nvSpPr>
-          <p:cNvPr id="89" name="Google Shape;89;g2ce45f9857e_0_100:notes"/>
+          <p:cNvPr id="162" name="Google Shape;162;g2ce4eb02ddf_0_48:notes"/>
           <p:cNvSpPr txBox="1"/>
           <p:nvPr>
             <p:ph idx="1" type="body"/>
@@ -1106,12 +1108,12 @@
 </p:notes>
 </file>
 
-<file path=ppt/notesSlides/notesSlide3.xml><?xml version="1.0" encoding="utf-8"?>
+<file path=ppt/notesSlides/notesSlide13.xml><?xml version="1.0" encoding="utf-8"?>
 <p:notes xmlns:a="http://schemas.openxmlformats.org/drawingml/2006/main" xmlns:r="http://schemas.openxmlformats.org/officeDocument/2006/relationships" xmlns:mc="http://schemas.openxmlformats.org/markup-compatibility/2006" xmlns:mv="urn:schemas-microsoft-com:mac:vml" xmlns:p="http://schemas.openxmlformats.org/presentationml/2006/main" xmlns:c="http://schemas.openxmlformats.org/drawingml/2006/chart" xmlns:dgm="http://schemas.openxmlformats.org/drawingml/2006/diagram" xmlns:o="urn:schemas-microsoft-com:office:office" xmlns:v="urn:schemas-microsoft-com:vml" xmlns:pvml="urn:schemas-microsoft-com:office:powerpoint" xmlns:com="http://schemas.openxmlformats.org/drawingml/2006/compatibility" xmlns:p14="http://schemas.microsoft.com/office/powerpoint/2010/main" xmlns:p15="http://schemas.microsoft.com/office/powerpoint/2012/main" xmlns:ahyp="http://schemas.microsoft.com/office/drawing/2018/hyperlinkcolor" showMasterPhAnim="0" showMasterSp="0">
   <p:cSld>
     <p:spTree>
       <p:nvGrpSpPr>
-        <p:cNvPr id="95" name="Shape 95"/>
+        <p:cNvPr id="165" name="Shape 165"/>
         <p:cNvGrpSpPr/>
         <p:nvPr/>
       </p:nvGrpSpPr>
@@ -1125,7 +1127,7 @@
       </p:grpSpPr>
       <p:sp>
         <p:nvSpPr>
-          <p:cNvPr id="96" name="Google Shape;96;g2ce45f9857e_0_79:notes"/>
+          <p:cNvPr id="166" name="Google Shape;166;g2cfb5212d6b_0_12:notes"/>
           <p:cNvSpPr/>
           <p:nvPr>
             <p:ph idx="2" type="sldImg"/>
@@ -1160,7 +1162,7 @@
       </p:sp>
       <p:sp>
         <p:nvSpPr>
-          <p:cNvPr id="97" name="Google Shape;97;g2ce45f9857e_0_79:notes"/>
+          <p:cNvPr id="167" name="Google Shape;167;g2cfb5212d6b_0_12:notes"/>
           <p:cNvSpPr txBox="1"/>
           <p:nvPr>
             <p:ph idx="1" type="body"/>
@@ -1205,12 +1207,12 @@
 </p:notes>
 </file>
 
-<file path=ppt/notesSlides/notesSlide4.xml><?xml version="1.0" encoding="utf-8"?>
+<file path=ppt/notesSlides/notesSlide2.xml><?xml version="1.0" encoding="utf-8"?>
 <p:notes xmlns:a="http://schemas.openxmlformats.org/drawingml/2006/main" xmlns:r="http://schemas.openxmlformats.org/officeDocument/2006/relationships" xmlns:mc="http://schemas.openxmlformats.org/markup-compatibility/2006" xmlns:mv="urn:schemas-microsoft-com:mac:vml" xmlns:p="http://schemas.openxmlformats.org/presentationml/2006/main" xmlns:c="http://schemas.openxmlformats.org/drawingml/2006/chart" xmlns:dgm="http://schemas.openxmlformats.org/drawingml/2006/diagram" xmlns:o="urn:schemas-microsoft-com:office:office" xmlns:v="urn:schemas-microsoft-com:vml" xmlns:pvml="urn:schemas-microsoft-com:office:powerpoint" xmlns:com="http://schemas.openxmlformats.org/drawingml/2006/compatibility" xmlns:p14="http://schemas.microsoft.com/office/powerpoint/2010/main" xmlns:p15="http://schemas.microsoft.com/office/powerpoint/2012/main" xmlns:ahyp="http://schemas.microsoft.com/office/drawing/2018/hyperlinkcolor" showMasterPhAnim="0" showMasterSp="0">
   <p:cSld>
     <p:spTree>
       <p:nvGrpSpPr>
-        <p:cNvPr id="104" name="Shape 104"/>
+        <p:cNvPr id="89" name="Shape 89"/>
         <p:cNvGrpSpPr/>
         <p:nvPr/>
       </p:nvGrpSpPr>
@@ -1224,7 +1226,7 @@
       </p:grpSpPr>
       <p:sp>
         <p:nvSpPr>
-          <p:cNvPr id="105" name="Google Shape;105;g2ce4eb02ddf_0_4:notes"/>
+          <p:cNvPr id="90" name="Google Shape;90;g2ce45f9857e_0_100:notes"/>
           <p:cNvSpPr/>
           <p:nvPr>
             <p:ph idx="2" type="sldImg"/>
@@ -1259,7 +1261,7 @@
       </p:sp>
       <p:sp>
         <p:nvSpPr>
-          <p:cNvPr id="106" name="Google Shape;106;g2ce4eb02ddf_0_4:notes"/>
+          <p:cNvPr id="91" name="Google Shape;91;g2ce45f9857e_0_100:notes"/>
           <p:cNvSpPr txBox="1"/>
           <p:nvPr>
             <p:ph idx="1" type="body"/>
@@ -1304,12 +1306,12 @@
 </p:notes>
 </file>
 
-<file path=ppt/notesSlides/notesSlide5.xml><?xml version="1.0" encoding="utf-8"?>
+<file path=ppt/notesSlides/notesSlide3.xml><?xml version="1.0" encoding="utf-8"?>
 <p:notes xmlns:a="http://schemas.openxmlformats.org/drawingml/2006/main" xmlns:r="http://schemas.openxmlformats.org/officeDocument/2006/relationships" xmlns:mc="http://schemas.openxmlformats.org/markup-compatibility/2006" xmlns:mv="urn:schemas-microsoft-com:mac:vml" xmlns:p="http://schemas.openxmlformats.org/presentationml/2006/main" xmlns:c="http://schemas.openxmlformats.org/drawingml/2006/chart" xmlns:dgm="http://schemas.openxmlformats.org/drawingml/2006/diagram" xmlns:o="urn:schemas-microsoft-com:office:office" xmlns:v="urn:schemas-microsoft-com:vml" xmlns:pvml="urn:schemas-microsoft-com:office:powerpoint" xmlns:com="http://schemas.openxmlformats.org/drawingml/2006/compatibility" xmlns:p14="http://schemas.microsoft.com/office/powerpoint/2010/main" xmlns:p15="http://schemas.microsoft.com/office/powerpoint/2012/main" xmlns:ahyp="http://schemas.microsoft.com/office/drawing/2018/hyperlinkcolor" showMasterPhAnim="0" showMasterSp="0">
   <p:cSld>
     <p:spTree>
       <p:nvGrpSpPr>
-        <p:cNvPr id="116" name="Shape 116"/>
+        <p:cNvPr id="97" name="Shape 97"/>
         <p:cNvGrpSpPr/>
         <p:nvPr/>
       </p:nvGrpSpPr>
@@ -1323,7 +1325,7 @@
       </p:grpSpPr>
       <p:sp>
         <p:nvSpPr>
-          <p:cNvPr id="117" name="Google Shape;117;g2ce4eb02ddf_0_17:notes"/>
+          <p:cNvPr id="98" name="Google Shape;98;g2ce45f9857e_0_79:notes"/>
           <p:cNvSpPr/>
           <p:nvPr>
             <p:ph idx="2" type="sldImg"/>
@@ -1358,7 +1360,7 @@
       </p:sp>
       <p:sp>
         <p:nvSpPr>
-          <p:cNvPr id="118" name="Google Shape;118;g2ce4eb02ddf_0_17:notes"/>
+          <p:cNvPr id="99" name="Google Shape;99;g2ce45f9857e_0_79:notes"/>
           <p:cNvSpPr txBox="1"/>
           <p:nvPr>
             <p:ph idx="1" type="body"/>
@@ -1403,12 +1405,12 @@
 </p:notes>
 </file>
 
-<file path=ppt/notesSlides/notesSlide6.xml><?xml version="1.0" encoding="utf-8"?>
+<file path=ppt/notesSlides/notesSlide4.xml><?xml version="1.0" encoding="utf-8"?>
 <p:notes xmlns:a="http://schemas.openxmlformats.org/drawingml/2006/main" xmlns:r="http://schemas.openxmlformats.org/officeDocument/2006/relationships" xmlns:mc="http://schemas.openxmlformats.org/markup-compatibility/2006" xmlns:mv="urn:schemas-microsoft-com:mac:vml" xmlns:p="http://schemas.openxmlformats.org/presentationml/2006/main" xmlns:c="http://schemas.openxmlformats.org/drawingml/2006/chart" xmlns:dgm="http://schemas.openxmlformats.org/drawingml/2006/diagram" xmlns:o="urn:schemas-microsoft-com:office:office" xmlns:v="urn:schemas-microsoft-com:vml" xmlns:pvml="urn:schemas-microsoft-com:office:powerpoint" xmlns:com="http://schemas.openxmlformats.org/drawingml/2006/compatibility" xmlns:p14="http://schemas.microsoft.com/office/powerpoint/2010/main" xmlns:p15="http://schemas.microsoft.com/office/powerpoint/2012/main" xmlns:ahyp="http://schemas.microsoft.com/office/drawing/2018/hyperlinkcolor" showMasterPhAnim="0" showMasterSp="0">
   <p:cSld>
     <p:spTree>
       <p:nvGrpSpPr>
-        <p:cNvPr id="123" name="Shape 123"/>
+        <p:cNvPr id="106" name="Shape 106"/>
         <p:cNvGrpSpPr/>
         <p:nvPr/>
       </p:nvGrpSpPr>
@@ -1422,7 +1424,7 @@
       </p:grpSpPr>
       <p:sp>
         <p:nvSpPr>
-          <p:cNvPr id="124" name="Google Shape;124;g2ce4eb02ddf_0_25:notes"/>
+          <p:cNvPr id="107" name="Google Shape;107;g2ce4eb02ddf_0_4:notes"/>
           <p:cNvSpPr/>
           <p:nvPr>
             <p:ph idx="2" type="sldImg"/>
@@ -1457,7 +1459,7 @@
       </p:sp>
       <p:sp>
         <p:nvSpPr>
-          <p:cNvPr id="125" name="Google Shape;125;g2ce4eb02ddf_0_25:notes"/>
+          <p:cNvPr id="108" name="Google Shape;108;g2ce4eb02ddf_0_4:notes"/>
           <p:cNvSpPr txBox="1"/>
           <p:nvPr>
             <p:ph idx="1" type="body"/>
@@ -1502,12 +1504,12 @@
 </p:notes>
 </file>
 
-<file path=ppt/notesSlides/notesSlide7.xml><?xml version="1.0" encoding="utf-8"?>
+<file path=ppt/notesSlides/notesSlide5.xml><?xml version="1.0" encoding="utf-8"?>
 <p:notes xmlns:a="http://schemas.openxmlformats.org/drawingml/2006/main" xmlns:r="http://schemas.openxmlformats.org/officeDocument/2006/relationships" xmlns:mc="http://schemas.openxmlformats.org/markup-compatibility/2006" xmlns:mv="urn:schemas-microsoft-com:mac:vml" xmlns:p="http://schemas.openxmlformats.org/presentationml/2006/main" xmlns:c="http://schemas.openxmlformats.org/drawingml/2006/chart" xmlns:dgm="http://schemas.openxmlformats.org/drawingml/2006/diagram" xmlns:o="urn:schemas-microsoft-com:office:office" xmlns:v="urn:schemas-microsoft-com:vml" xmlns:pvml="urn:schemas-microsoft-com:office:powerpoint" xmlns:com="http://schemas.openxmlformats.org/drawingml/2006/compatibility" xmlns:p14="http://schemas.microsoft.com/office/powerpoint/2010/main" xmlns:p15="http://schemas.microsoft.com/office/powerpoint/2012/main" xmlns:ahyp="http://schemas.microsoft.com/office/drawing/2018/hyperlinkcolor" showMasterPhAnim="0" showMasterSp="0">
   <p:cSld>
     <p:spTree>
       <p:nvGrpSpPr>
-        <p:cNvPr id="128" name="Shape 128"/>
+        <p:cNvPr id="118" name="Shape 118"/>
         <p:cNvGrpSpPr/>
         <p:nvPr/>
       </p:nvGrpSpPr>
@@ -1521,7 +1523,7 @@
       </p:grpSpPr>
       <p:sp>
         <p:nvSpPr>
-          <p:cNvPr id="129" name="Google Shape;129;g2ce4eb02ddf_0_33:notes"/>
+          <p:cNvPr id="119" name="Google Shape;119;g2ce4eb02ddf_0_17:notes"/>
           <p:cNvSpPr/>
           <p:nvPr>
             <p:ph idx="2" type="sldImg"/>
@@ -1556,7 +1558,7 @@
       </p:sp>
       <p:sp>
         <p:nvSpPr>
-          <p:cNvPr id="130" name="Google Shape;130;g2ce4eb02ddf_0_33:notes"/>
+          <p:cNvPr id="120" name="Google Shape;120;g2ce4eb02ddf_0_17:notes"/>
           <p:cNvSpPr txBox="1"/>
           <p:nvPr>
             <p:ph idx="1" type="body"/>
@@ -1601,12 +1603,12 @@
 </p:notes>
 </file>
 
-<file path=ppt/notesSlides/notesSlide8.xml><?xml version="1.0" encoding="utf-8"?>
+<file path=ppt/notesSlides/notesSlide6.xml><?xml version="1.0" encoding="utf-8"?>
 <p:notes xmlns:a="http://schemas.openxmlformats.org/drawingml/2006/main" xmlns:r="http://schemas.openxmlformats.org/officeDocument/2006/relationships" xmlns:mc="http://schemas.openxmlformats.org/markup-compatibility/2006" xmlns:mv="urn:schemas-microsoft-com:mac:vml" xmlns:p="http://schemas.openxmlformats.org/presentationml/2006/main" xmlns:c="http://schemas.openxmlformats.org/drawingml/2006/chart" xmlns:dgm="http://schemas.openxmlformats.org/drawingml/2006/diagram" xmlns:o="urn:schemas-microsoft-com:office:office" xmlns:v="urn:schemas-microsoft-com:vml" xmlns:pvml="urn:schemas-microsoft-com:office:powerpoint" xmlns:com="http://schemas.openxmlformats.org/drawingml/2006/compatibility" xmlns:p14="http://schemas.microsoft.com/office/powerpoint/2010/main" xmlns:p15="http://schemas.microsoft.com/office/powerpoint/2012/main" xmlns:ahyp="http://schemas.microsoft.com/office/drawing/2018/hyperlinkcolor" showMasterPhAnim="0" showMasterSp="0">
   <p:cSld>
     <p:spTree>
       <p:nvGrpSpPr>
-        <p:cNvPr id="133" name="Shape 133"/>
+        <p:cNvPr id="125" name="Shape 125"/>
         <p:cNvGrpSpPr/>
         <p:nvPr/>
       </p:nvGrpSpPr>
@@ -1620,7 +1622,7 @@
       </p:grpSpPr>
       <p:sp>
         <p:nvSpPr>
-          <p:cNvPr id="134" name="Google Shape;134;g2ce4eb02ddf_0_38:notes"/>
+          <p:cNvPr id="126" name="Google Shape;126;g2ce4eb02ddf_0_25:notes"/>
           <p:cNvSpPr/>
           <p:nvPr>
             <p:ph idx="2" type="sldImg"/>
@@ -1655,7 +1657,7 @@
       </p:sp>
       <p:sp>
         <p:nvSpPr>
-          <p:cNvPr id="135" name="Google Shape;135;g2ce4eb02ddf_0_38:notes"/>
+          <p:cNvPr id="127" name="Google Shape;127;g2ce4eb02ddf_0_25:notes"/>
           <p:cNvSpPr txBox="1"/>
           <p:nvPr>
             <p:ph idx="1" type="body"/>
@@ -1700,12 +1702,12 @@
 </p:notes>
 </file>
 
-<file path=ppt/notesSlides/notesSlide9.xml><?xml version="1.0" encoding="utf-8"?>
+<file path=ppt/notesSlides/notesSlide7.xml><?xml version="1.0" encoding="utf-8"?>
 <p:notes xmlns:a="http://schemas.openxmlformats.org/drawingml/2006/main" xmlns:r="http://schemas.openxmlformats.org/officeDocument/2006/relationships" xmlns:mc="http://schemas.openxmlformats.org/markup-compatibility/2006" xmlns:mv="urn:schemas-microsoft-com:mac:vml" xmlns:p="http://schemas.openxmlformats.org/presentationml/2006/main" xmlns:c="http://schemas.openxmlformats.org/drawingml/2006/chart" xmlns:dgm="http://schemas.openxmlformats.org/drawingml/2006/diagram" xmlns:o="urn:schemas-microsoft-com:office:office" xmlns:v="urn:schemas-microsoft-com:vml" xmlns:pvml="urn:schemas-microsoft-com:office:powerpoint" xmlns:com="http://schemas.openxmlformats.org/drawingml/2006/compatibility" xmlns:p14="http://schemas.microsoft.com/office/powerpoint/2010/main" xmlns:p15="http://schemas.microsoft.com/office/powerpoint/2012/main" xmlns:ahyp="http://schemas.microsoft.com/office/drawing/2018/hyperlinkcolor" showMasterPhAnim="0" showMasterSp="0">
   <p:cSld>
     <p:spTree>
       <p:nvGrpSpPr>
-        <p:cNvPr id="138" name="Shape 138"/>
+        <p:cNvPr id="130" name="Shape 130"/>
         <p:cNvGrpSpPr/>
         <p:nvPr/>
       </p:nvGrpSpPr>
@@ -1719,7 +1721,7 @@
       </p:grpSpPr>
       <p:sp>
         <p:nvSpPr>
-          <p:cNvPr id="139" name="Google Shape;139;g2ce4eb02ddf_0_43:notes"/>
+          <p:cNvPr id="131" name="Google Shape;131;g2ce4eb02ddf_0_33:notes"/>
           <p:cNvSpPr/>
           <p:nvPr>
             <p:ph idx="2" type="sldImg"/>
@@ -1754,7 +1756,205 @@
       </p:sp>
       <p:sp>
         <p:nvSpPr>
-          <p:cNvPr id="140" name="Google Shape;140;g2ce4eb02ddf_0_43:notes"/>
+          <p:cNvPr id="132" name="Google Shape;132;g2ce4eb02ddf_0_33:notes"/>
+          <p:cNvSpPr txBox="1"/>
+          <p:nvPr>
+            <p:ph idx="1" type="body"/>
+          </p:nvPr>
+        </p:nvSpPr>
+        <p:spPr>
+          <a:xfrm>
+            <a:off x="685800" y="4343400"/>
+            <a:ext cx="5486400" cy="4114800"/>
+          </a:xfrm>
+          <a:prstGeom prst="rect">
+            <a:avLst/>
+          </a:prstGeom>
+        </p:spPr>
+        <p:txBody>
+          <a:bodyPr anchorCtr="0" anchor="t" bIns="91425" lIns="91425" spcFirstLastPara="1" rIns="91425" wrap="square" tIns="91425">
+            <a:noAutofit/>
+          </a:bodyPr>
+          <a:lstStyle/>
+          <a:p>
+            <a:pPr indent="0" lvl="0" marL="0" rtl="0" algn="l">
+              <a:spcBef>
+                <a:spcPts val="0"/>
+              </a:spcBef>
+              <a:spcAft>
+                <a:spcPts val="0"/>
+              </a:spcAft>
+              <a:buNone/>
+            </a:pPr>
+            <a:r>
+              <a:t/>
+            </a:r>
+            <a:endParaRPr/>
+          </a:p>
+        </p:txBody>
+      </p:sp>
+    </p:spTree>
+  </p:cSld>
+  <p:clrMapOvr>
+    <a:masterClrMapping/>
+  </p:clrMapOvr>
+</p:notes>
+</file>
+
+<file path=ppt/notesSlides/notesSlide8.xml><?xml version="1.0" encoding="utf-8"?>
+<p:notes xmlns:a="http://schemas.openxmlformats.org/drawingml/2006/main" xmlns:r="http://schemas.openxmlformats.org/officeDocument/2006/relationships" xmlns:mc="http://schemas.openxmlformats.org/markup-compatibility/2006" xmlns:mv="urn:schemas-microsoft-com:mac:vml" xmlns:p="http://schemas.openxmlformats.org/presentationml/2006/main" xmlns:c="http://schemas.openxmlformats.org/drawingml/2006/chart" xmlns:dgm="http://schemas.openxmlformats.org/drawingml/2006/diagram" xmlns:o="urn:schemas-microsoft-com:office:office" xmlns:v="urn:schemas-microsoft-com:vml" xmlns:pvml="urn:schemas-microsoft-com:office:powerpoint" xmlns:com="http://schemas.openxmlformats.org/drawingml/2006/compatibility" xmlns:p14="http://schemas.microsoft.com/office/powerpoint/2010/main" xmlns:p15="http://schemas.microsoft.com/office/powerpoint/2012/main" xmlns:ahyp="http://schemas.microsoft.com/office/drawing/2018/hyperlinkcolor" showMasterPhAnim="0" showMasterSp="0">
+  <p:cSld>
+    <p:spTree>
+      <p:nvGrpSpPr>
+        <p:cNvPr id="135" name="Shape 135"/>
+        <p:cNvGrpSpPr/>
+        <p:nvPr/>
+      </p:nvGrpSpPr>
+      <p:grpSpPr>
+        <a:xfrm>
+          <a:off x="0" y="0"/>
+          <a:ext cx="0" cy="0"/>
+          <a:chOff x="0" y="0"/>
+          <a:chExt cx="0" cy="0"/>
+        </a:xfrm>
+      </p:grpSpPr>
+      <p:sp>
+        <p:nvSpPr>
+          <p:cNvPr id="136" name="Google Shape;136;g2ce4eb02ddf_0_38:notes"/>
+          <p:cNvSpPr/>
+          <p:nvPr>
+            <p:ph idx="2" type="sldImg"/>
+          </p:nvPr>
+        </p:nvSpPr>
+        <p:spPr>
+          <a:xfrm>
+            <a:off x="381300" y="685800"/>
+            <a:ext cx="6096000" cy="3429000"/>
+          </a:xfrm>
+          <a:custGeom>
+            <a:rect b="b" l="l" r="r" t="t"/>
+            <a:pathLst>
+              <a:path extrusionOk="0" h="120000" w="120000">
+                <a:moveTo>
+                  <a:pt x="0" y="0"/>
+                </a:moveTo>
+                <a:lnTo>
+                  <a:pt x="120000" y="0"/>
+                </a:lnTo>
+                <a:lnTo>
+                  <a:pt x="120000" y="120000"/>
+                </a:lnTo>
+                <a:lnTo>
+                  <a:pt x="0" y="120000"/>
+                </a:lnTo>
+                <a:close/>
+              </a:path>
+            </a:pathLst>
+          </a:custGeom>
+        </p:spPr>
+      </p:sp>
+      <p:sp>
+        <p:nvSpPr>
+          <p:cNvPr id="137" name="Google Shape;137;g2ce4eb02ddf_0_38:notes"/>
+          <p:cNvSpPr txBox="1"/>
+          <p:nvPr>
+            <p:ph idx="1" type="body"/>
+          </p:nvPr>
+        </p:nvSpPr>
+        <p:spPr>
+          <a:xfrm>
+            <a:off x="685800" y="4343400"/>
+            <a:ext cx="5486400" cy="4114800"/>
+          </a:xfrm>
+          <a:prstGeom prst="rect">
+            <a:avLst/>
+          </a:prstGeom>
+        </p:spPr>
+        <p:txBody>
+          <a:bodyPr anchorCtr="0" anchor="t" bIns="91425" lIns="91425" spcFirstLastPara="1" rIns="91425" wrap="square" tIns="91425">
+            <a:noAutofit/>
+          </a:bodyPr>
+          <a:lstStyle/>
+          <a:p>
+            <a:pPr indent="0" lvl="0" marL="0" rtl="0" algn="l">
+              <a:spcBef>
+                <a:spcPts val="0"/>
+              </a:spcBef>
+              <a:spcAft>
+                <a:spcPts val="0"/>
+              </a:spcAft>
+              <a:buNone/>
+            </a:pPr>
+            <a:r>
+              <a:t/>
+            </a:r>
+            <a:endParaRPr/>
+          </a:p>
+        </p:txBody>
+      </p:sp>
+    </p:spTree>
+  </p:cSld>
+  <p:clrMapOvr>
+    <a:masterClrMapping/>
+  </p:clrMapOvr>
+</p:notes>
+</file>
+
+<file path=ppt/notesSlides/notesSlide9.xml><?xml version="1.0" encoding="utf-8"?>
+<p:notes xmlns:a="http://schemas.openxmlformats.org/drawingml/2006/main" xmlns:r="http://schemas.openxmlformats.org/officeDocument/2006/relationships" xmlns:mc="http://schemas.openxmlformats.org/markup-compatibility/2006" xmlns:mv="urn:schemas-microsoft-com:mac:vml" xmlns:p="http://schemas.openxmlformats.org/presentationml/2006/main" xmlns:c="http://schemas.openxmlformats.org/drawingml/2006/chart" xmlns:dgm="http://schemas.openxmlformats.org/drawingml/2006/diagram" xmlns:o="urn:schemas-microsoft-com:office:office" xmlns:v="urn:schemas-microsoft-com:vml" xmlns:pvml="urn:schemas-microsoft-com:office:powerpoint" xmlns:com="http://schemas.openxmlformats.org/drawingml/2006/compatibility" xmlns:p14="http://schemas.microsoft.com/office/powerpoint/2010/main" xmlns:p15="http://schemas.microsoft.com/office/powerpoint/2012/main" xmlns:ahyp="http://schemas.microsoft.com/office/drawing/2018/hyperlinkcolor" showMasterPhAnim="0" showMasterSp="0">
+  <p:cSld>
+    <p:spTree>
+      <p:nvGrpSpPr>
+        <p:cNvPr id="140" name="Shape 140"/>
+        <p:cNvGrpSpPr/>
+        <p:nvPr/>
+      </p:nvGrpSpPr>
+      <p:grpSpPr>
+        <a:xfrm>
+          <a:off x="0" y="0"/>
+          <a:ext cx="0" cy="0"/>
+          <a:chOff x="0" y="0"/>
+          <a:chExt cx="0" cy="0"/>
+        </a:xfrm>
+      </p:grpSpPr>
+      <p:sp>
+        <p:nvSpPr>
+          <p:cNvPr id="141" name="Google Shape;141;g2ce4eb02ddf_0_43:notes"/>
+          <p:cNvSpPr/>
+          <p:nvPr>
+            <p:ph idx="2" type="sldImg"/>
+          </p:nvPr>
+        </p:nvSpPr>
+        <p:spPr>
+          <a:xfrm>
+            <a:off x="381300" y="685800"/>
+            <a:ext cx="6096000" cy="3429000"/>
+          </a:xfrm>
+          <a:custGeom>
+            <a:rect b="b" l="l" r="r" t="t"/>
+            <a:pathLst>
+              <a:path extrusionOk="0" h="120000" w="120000">
+                <a:moveTo>
+                  <a:pt x="0" y="0"/>
+                </a:moveTo>
+                <a:lnTo>
+                  <a:pt x="120000" y="0"/>
+                </a:lnTo>
+                <a:lnTo>
+                  <a:pt x="120000" y="120000"/>
+                </a:lnTo>
+                <a:lnTo>
+                  <a:pt x="0" y="120000"/>
+                </a:lnTo>
+                <a:close/>
+              </a:path>
+            </a:pathLst>
+          </a:custGeom>
+        </p:spPr>
+      </p:sp>
+      <p:sp>
+        <p:nvSpPr>
+          <p:cNvPr id="142" name="Google Shape;142;g2ce4eb02ddf_0_43:notes"/>
           <p:cNvSpPr txBox="1"/>
           <p:nvPr>
             <p:ph idx="1" type="body"/>
@@ -7678,6 +7878,9 @@
     <p:sldLayoutId id="2147483657" r:id="rId10"/>
     <p:sldLayoutId id="2147483658" r:id="rId11"/>
   </p:sldLayoutIdLst>
+  <p:transition>
+    <p:fade/>
+  </p:transition>
   <p:hf dt="0" ftr="0" hdr="0" sldNum="0"/>
   <p:txStyles>
     <p:titleStyle>
@@ -8405,8 +8608,8 @@
         </p:nvSpPr>
         <p:spPr>
           <a:xfrm>
-            <a:off x="262650" y="991275"/>
-            <a:ext cx="7781700" cy="1531800"/>
+            <a:off x="613775" y="1653325"/>
+            <a:ext cx="7536300" cy="1815300"/>
           </a:xfrm>
           <a:prstGeom prst="rect">
             <a:avLst/>
@@ -8428,7 +8631,7 @@
               <a:buNone/>
             </a:pPr>
             <a:r>
-              <a:rPr lang="ru" sz="4500">
+              <a:rPr b="1" lang="ru" sz="5800">
                 <a:latin typeface="Comfortaa"/>
                 <a:ea typeface="Comfortaa"/>
                 <a:cs typeface="Comfortaa"/>
@@ -8437,7 +8640,7 @@
               <a:t>Проект “</a:t>
             </a:r>
             <a:r>
-              <a:rPr lang="ru" sz="4411">
+              <a:rPr b="1" lang="ru" sz="5711">
                 <a:solidFill>
                   <a:srgbClr val="1F1F1F"/>
                 </a:solidFill>
@@ -8452,7 +8655,7 @@
               <a:t>‎</a:t>
             </a:r>
             <a:r>
-              <a:rPr lang="ru" sz="4411">
+              <a:rPr b="1" lang="ru" sz="5711">
                 <a:latin typeface="Comfortaa"/>
                 <a:ea typeface="Comfortaa"/>
                 <a:cs typeface="Comfortaa"/>
@@ -8461,7 +8664,7 @@
               <a:t>О</a:t>
             </a:r>
             <a:r>
-              <a:rPr lang="ru" sz="4411">
+              <a:rPr b="1" lang="ru" sz="5711">
                 <a:latin typeface="Comfortaa"/>
                 <a:ea typeface="Comfortaa"/>
                 <a:cs typeface="Comfortaa"/>
@@ -8470,7 +8673,7 @@
               <a:t>нлайн-Магазин”</a:t>
             </a:r>
             <a:r>
-              <a:rPr lang="ru" sz="1350">
+              <a:rPr b="1" lang="ru" sz="3100">
                 <a:solidFill>
                   <a:srgbClr val="1F1F1F"/>
                 </a:solidFill>
@@ -8484,7 +8687,7 @@
               </a:rPr>
               <a:t>‎</a:t>
             </a:r>
-            <a:endParaRPr sz="4522">
+            <a:endParaRPr b="1" sz="5822">
               <a:latin typeface="Comfortaa"/>
               <a:ea typeface="Comfortaa"/>
               <a:cs typeface="Comfortaa"/>
@@ -8503,8 +8706,8 @@
         </p:nvSpPr>
         <p:spPr>
           <a:xfrm>
-            <a:off x="42450" y="3078123"/>
-            <a:ext cx="8222100" cy="761700"/>
+            <a:off x="2592875" y="568775"/>
+            <a:ext cx="3578100" cy="761700"/>
           </a:xfrm>
           <a:prstGeom prst="rect">
             <a:avLst/>
@@ -8526,19 +8729,135 @@
               <a:buNone/>
             </a:pPr>
             <a:r>
-              <a:rPr lang="ru" sz="2900">
-                <a:latin typeface="Comfortaa"/>
-                <a:ea typeface="Comfortaa"/>
-                <a:cs typeface="Comfortaa"/>
-                <a:sym typeface="Comfortaa"/>
-              </a:rPr>
-              <a:t>Проект на Flask для Яндекс.Лицея</a:t>
-            </a:r>
-            <a:endParaRPr sz="2900">
+              <a:rPr lang="ru" sz="3300">
+                <a:latin typeface="Comfortaa"/>
+                <a:ea typeface="Comfortaa"/>
+                <a:cs typeface="Comfortaa"/>
+                <a:sym typeface="Comfortaa"/>
+              </a:rPr>
+              <a:t>Яндекс.Лицей</a:t>
+            </a:r>
+            <a:endParaRPr sz="3300">
               <a:latin typeface="Comfortaa"/>
               <a:ea typeface="Comfortaa"/>
               <a:cs typeface="Comfortaa"/>
               <a:sym typeface="Comfortaa"/>
+            </a:endParaRPr>
+          </a:p>
+        </p:txBody>
+      </p:sp>
+      <p:sp>
+        <p:nvSpPr>
+          <p:cNvPr id="87" name="Google Shape;87;p13"/>
+          <p:cNvSpPr txBox="1"/>
+          <p:nvPr/>
+        </p:nvSpPr>
+        <p:spPr>
+          <a:xfrm>
+            <a:off x="3952500" y="4351925"/>
+            <a:ext cx="1239000" cy="324300"/>
+          </a:xfrm>
+          <a:prstGeom prst="rect">
+            <a:avLst/>
+          </a:prstGeom>
+          <a:noFill/>
+          <a:ln>
+            <a:noFill/>
+          </a:ln>
+        </p:spPr>
+        <p:txBody>
+          <a:bodyPr anchorCtr="0" anchor="ctr" bIns="91425" lIns="91425" spcFirstLastPara="1" rIns="91425" wrap="square" tIns="91425">
+            <a:noAutofit/>
+          </a:bodyPr>
+          <a:lstStyle/>
+          <a:p>
+            <a:pPr indent="0" lvl="0" marL="0" rtl="0" algn="ctr">
+              <a:spcBef>
+                <a:spcPts val="0"/>
+              </a:spcBef>
+              <a:spcAft>
+                <a:spcPts val="0"/>
+              </a:spcAft>
+              <a:buNone/>
+            </a:pPr>
+            <a:r>
+              <a:rPr lang="ru" sz="1500">
+                <a:solidFill>
+                  <a:schemeClr val="lt1"/>
+                </a:solidFill>
+                <a:latin typeface="Comfortaa"/>
+                <a:ea typeface="Comfortaa"/>
+                <a:cs typeface="Comfortaa"/>
+                <a:sym typeface="Comfortaa"/>
+              </a:rPr>
+              <a:t>2024 год</a:t>
+            </a:r>
+            <a:endParaRPr sz="1500">
+              <a:solidFill>
+                <a:schemeClr val="lt1"/>
+              </a:solidFill>
+              <a:latin typeface="Comfortaa"/>
+              <a:ea typeface="Comfortaa"/>
+              <a:cs typeface="Comfortaa"/>
+              <a:sym typeface="Comfortaa"/>
+            </a:endParaRPr>
+          </a:p>
+        </p:txBody>
+      </p:sp>
+      <p:sp>
+        <p:nvSpPr>
+          <p:cNvPr id="88" name="Google Shape;88;p13"/>
+          <p:cNvSpPr txBox="1"/>
+          <p:nvPr/>
+        </p:nvSpPr>
+        <p:spPr>
+          <a:xfrm>
+            <a:off x="2167925" y="3672325"/>
+            <a:ext cx="4428000" cy="543000"/>
+          </a:xfrm>
+          <a:prstGeom prst="rect">
+            <a:avLst/>
+          </a:prstGeom>
+          <a:noFill/>
+          <a:ln>
+            <a:noFill/>
+          </a:ln>
+        </p:spPr>
+        <p:txBody>
+          <a:bodyPr anchorCtr="0" anchor="ctr" bIns="91425" lIns="91425" spcFirstLastPara="1" rIns="91425" wrap="square" tIns="91425">
+            <a:noAutofit/>
+          </a:bodyPr>
+          <a:lstStyle/>
+          <a:p>
+            <a:pPr indent="0" lvl="0" marL="0" rtl="0" algn="ctr">
+              <a:spcBef>
+                <a:spcPts val="0"/>
+              </a:spcBef>
+              <a:spcAft>
+                <a:spcPts val="0"/>
+              </a:spcAft>
+              <a:buNone/>
+            </a:pPr>
+            <a:r>
+              <a:rPr lang="ru" sz="2100">
+                <a:solidFill>
+                  <a:schemeClr val="lt1"/>
+                </a:solidFill>
+                <a:latin typeface="Comfortaa"/>
+                <a:ea typeface="Comfortaa"/>
+                <a:cs typeface="Comfortaa"/>
+                <a:sym typeface="Comfortaa"/>
+              </a:rPr>
+              <a:t>Выполнил: Барышев Матвей</a:t>
+            </a:r>
+            <a:endParaRPr sz="2500">
+              <a:solidFill>
+                <a:schemeClr val="dk2"/>
+              </a:solidFill>
+              <a:latin typeface="Roboto"/>
+              <a:ea typeface="Roboto"/>
+              <a:cs typeface="Roboto"/>
+              <a:sym typeface="Roboto"/>
             </a:endParaRPr>
           </a:p>
         </p:txBody>
@@ -8556,7 +8875,7 @@
   <p:cSld>
     <p:spTree>
       <p:nvGrpSpPr>
-        <p:cNvPr id="146" name="Shape 146"/>
+        <p:cNvPr id="148" name="Shape 148"/>
         <p:cNvGrpSpPr/>
         <p:nvPr/>
       </p:nvGrpSpPr>
@@ -8570,7 +8889,7 @@
       </p:grpSpPr>
       <p:pic>
         <p:nvPicPr>
-          <p:cNvPr id="147" name="Google Shape;147;p22"/>
+          <p:cNvPr id="149" name="Google Shape;149;p22"/>
           <p:cNvPicPr preferRelativeResize="0"/>
           <p:nvPr/>
         </p:nvPicPr>
@@ -8598,7 +8917,7 @@
       </p:pic>
       <p:sp>
         <p:nvSpPr>
-          <p:cNvPr id="148" name="Google Shape;148;p22"/>
+          <p:cNvPr id="150" name="Google Shape;150;p22"/>
           <p:cNvSpPr txBox="1"/>
           <p:nvPr/>
         </p:nvSpPr>
@@ -8622,6 +8941,9 @@
           <a:lstStyle/>
           <a:p>
             <a:pPr indent="0" lvl="0" marL="0" rtl="0" algn="ctr">
+              <a:lnSpc>
+                <a:spcPct val="115000"/>
+              </a:lnSpc>
               <a:spcBef>
                 <a:spcPts val="0"/>
               </a:spcBef>
@@ -8688,7 +9010,7 @@
                 <a:cs typeface="Comfortaa"/>
                 <a:sym typeface="Comfortaa"/>
               </a:rPr>
-              <a:t>, а также </a:t>
+              <a:t>,  </a:t>
             </a:r>
             <a:r>
               <a:rPr b="1" lang="ru" sz="2600">
@@ -8712,10 +9034,10 @@
                 <a:cs typeface="Comfortaa"/>
                 <a:sym typeface="Comfortaa"/>
               </a:rPr>
-              <a:t> файлов, и </a:t>
-            </a:r>
-            <a:r>
-              <a:rPr b="1" lang="ru" sz="2600">
+              <a:t> файлов, и один текстовый файл </a:t>
+            </a:r>
+            <a:r>
+              <a:rPr b="1" lang="ru" sz="2400">
                 <a:solidFill>
                   <a:srgbClr val="1F1F1F"/>
                 </a:solidFill>
@@ -8724,7 +9046,7 @@
                 <a:cs typeface="Comfortaa"/>
                 <a:sym typeface="Comfortaa"/>
               </a:rPr>
-              <a:t>один текстовый файл requirements.txt</a:t>
+              <a:t>requirements.txt</a:t>
             </a:r>
             <a:r>
               <a:rPr lang="ru" sz="2600">
@@ -8752,7 +9074,7 @@
       </p:sp>
       <p:pic>
         <p:nvPicPr>
-          <p:cNvPr id="149" name="Google Shape;149;p22"/>
+          <p:cNvPr id="151" name="Google Shape;151;p22"/>
           <p:cNvPicPr preferRelativeResize="0"/>
           <p:nvPr/>
         </p:nvPicPr>
@@ -8798,7 +9120,7 @@
     </p:bg>
     <p:spTree>
       <p:nvGrpSpPr>
-        <p:cNvPr id="153" name="Shape 153"/>
+        <p:cNvPr id="155" name="Shape 155"/>
         <p:cNvGrpSpPr/>
         <p:nvPr/>
       </p:nvGrpSpPr>
@@ -8812,14 +9134,14 @@
       </p:grpSpPr>
       <p:sp>
         <p:nvSpPr>
-          <p:cNvPr id="154" name="Google Shape;154;p23"/>
+          <p:cNvPr id="156" name="Google Shape;156;p23"/>
           <p:cNvSpPr txBox="1"/>
           <p:nvPr/>
         </p:nvSpPr>
         <p:spPr>
           <a:xfrm>
-            <a:off x="0" y="1676675"/>
-            <a:ext cx="9144000" cy="1422900"/>
+            <a:off x="90500" y="285275"/>
+            <a:ext cx="4640400" cy="1129200"/>
           </a:xfrm>
           <a:prstGeom prst="rect">
             <a:avLst/>
@@ -8845,7 +9167,7 @@
               <a:buNone/>
             </a:pPr>
             <a:r>
-              <a:rPr lang="ru" sz="5000">
+              <a:rPr lang="ru" sz="3600">
                 <a:solidFill>
                   <a:schemeClr val="lt1"/>
                 </a:solidFill>
@@ -8854,11 +9176,618 @@
                 <a:cs typeface="Comfortaa"/>
                 <a:sym typeface="Comfortaa"/>
               </a:rPr>
-              <a:t>Спасибо за внимание!</a:t>
-            </a:r>
-            <a:endParaRPr sz="5000">
+              <a:t>Что будет дальше?</a:t>
+            </a:r>
+            <a:endParaRPr sz="3600">
               <a:solidFill>
                 <a:schemeClr val="lt1"/>
+              </a:solidFill>
+              <a:latin typeface="Comfortaa"/>
+              <a:ea typeface="Comfortaa"/>
+              <a:cs typeface="Comfortaa"/>
+              <a:sym typeface="Comfortaa"/>
+            </a:endParaRPr>
+          </a:p>
+        </p:txBody>
+      </p:sp>
+      <p:sp>
+        <p:nvSpPr>
+          <p:cNvPr id="157" name="Google Shape;157;p23"/>
+          <p:cNvSpPr/>
+          <p:nvPr/>
+        </p:nvSpPr>
+        <p:spPr>
+          <a:xfrm>
+            <a:off x="-345750" y="-117325"/>
+            <a:ext cx="5130300" cy="1934400"/>
+          </a:xfrm>
+          <a:prstGeom prst="round2DiagRect">
+            <a:avLst>
+              <a:gd fmla="val 35260" name="adj1"/>
+              <a:gd fmla="val 0" name="adj2"/>
+            </a:avLst>
+          </a:prstGeom>
+          <a:noFill/>
+          <a:ln cap="flat" cmpd="sng" w="38100">
+            <a:solidFill>
+              <a:schemeClr val="lt1"/>
+            </a:solidFill>
+            <a:prstDash val="solid"/>
+            <a:round/>
+            <a:headEnd len="sm" w="sm" type="none"/>
+            <a:tailEnd len="sm" w="sm" type="none"/>
+          </a:ln>
+        </p:spPr>
+        <p:txBody>
+          <a:bodyPr anchorCtr="0" anchor="ctr" bIns="91425" lIns="91425" spcFirstLastPara="1" rIns="91425" wrap="square" tIns="91425">
+            <a:noAutofit/>
+          </a:bodyPr>
+          <a:lstStyle/>
+          <a:p>
+            <a:pPr indent="0" lvl="0" marL="0" rtl="0" algn="ctr">
+              <a:spcBef>
+                <a:spcPts val="0"/>
+              </a:spcBef>
+              <a:spcAft>
+                <a:spcPts val="0"/>
+              </a:spcAft>
+              <a:buNone/>
+            </a:pPr>
+            <a:r>
+              <a:t/>
+            </a:r>
+            <a:endParaRPr>
+              <a:latin typeface="Roboto"/>
+              <a:ea typeface="Roboto"/>
+              <a:cs typeface="Roboto"/>
+              <a:sym typeface="Roboto"/>
+            </a:endParaRPr>
+          </a:p>
+        </p:txBody>
+      </p:sp>
+      <p:sp>
+        <p:nvSpPr>
+          <p:cNvPr id="158" name="Google Shape;158;p23"/>
+          <p:cNvSpPr txBox="1"/>
+          <p:nvPr/>
+        </p:nvSpPr>
+        <p:spPr>
+          <a:xfrm>
+            <a:off x="244800" y="2071000"/>
+            <a:ext cx="8654400" cy="2918400"/>
+          </a:xfrm>
+          <a:prstGeom prst="rect">
+            <a:avLst/>
+          </a:prstGeom>
+          <a:noFill/>
+          <a:ln>
+            <a:noFill/>
+          </a:ln>
+        </p:spPr>
+        <p:txBody>
+          <a:bodyPr anchorCtr="0" anchor="ctr" bIns="91425" lIns="91425" spcFirstLastPara="1" rIns="91425" wrap="square" tIns="91425">
+            <a:noAutofit/>
+          </a:bodyPr>
+          <a:lstStyle/>
+          <a:p>
+            <a:pPr indent="-342900" lvl="0" marL="457200" rtl="0" algn="just">
+              <a:spcBef>
+                <a:spcPts val="0"/>
+              </a:spcBef>
+              <a:spcAft>
+                <a:spcPts val="0"/>
+              </a:spcAft>
+              <a:buClr>
+                <a:schemeClr val="lt1"/>
+              </a:buClr>
+              <a:buSzPts val="1800"/>
+              <a:buFont typeface="Comfortaa"/>
+              <a:buAutoNum type="arabicPeriod"/>
+            </a:pPr>
+            <a:r>
+              <a:rPr lang="ru" sz="1800">
+                <a:solidFill>
+                  <a:schemeClr val="lt1"/>
+                </a:solidFill>
+                <a:latin typeface="Comfortaa"/>
+                <a:ea typeface="Comfortaa"/>
+                <a:cs typeface="Comfortaa"/>
+                <a:sym typeface="Comfortaa"/>
+              </a:rPr>
+              <a:t>Оставлять отзывы можно только если этот товар был куплен (легко реализовать, нужно добавить лишь пару проверок).</a:t>
+            </a:r>
+            <a:endParaRPr sz="1800">
+              <a:solidFill>
+                <a:schemeClr val="lt1"/>
+              </a:solidFill>
+              <a:latin typeface="Comfortaa"/>
+              <a:ea typeface="Comfortaa"/>
+              <a:cs typeface="Comfortaa"/>
+              <a:sym typeface="Comfortaa"/>
+            </a:endParaRPr>
+          </a:p>
+          <a:p>
+            <a:pPr indent="-342900" lvl="0" marL="457200" rtl="0" algn="just">
+              <a:spcBef>
+                <a:spcPts val="0"/>
+              </a:spcBef>
+              <a:spcAft>
+                <a:spcPts val="0"/>
+              </a:spcAft>
+              <a:buClr>
+                <a:schemeClr val="lt1"/>
+              </a:buClr>
+              <a:buSzPts val="1800"/>
+              <a:buFont typeface="Comfortaa"/>
+              <a:buAutoNum type="arabicPeriod"/>
+            </a:pPr>
+            <a:r>
+              <a:rPr lang="ru" sz="1800">
+                <a:solidFill>
+                  <a:schemeClr val="lt1"/>
+                </a:solidFill>
+                <a:latin typeface="Comfortaa"/>
+                <a:ea typeface="Comfortaa"/>
+                <a:cs typeface="Comfortaa"/>
+                <a:sym typeface="Comfortaa"/>
+              </a:rPr>
+              <a:t>Добавить над содержанием вопроса, отзыва или ответа имя автора (для реализации придётся добавить несколько полей в классы вопросов, ответа и отзыва).</a:t>
+            </a:r>
+            <a:endParaRPr sz="1800">
+              <a:solidFill>
+                <a:schemeClr val="lt1"/>
+              </a:solidFill>
+              <a:latin typeface="Comfortaa"/>
+              <a:ea typeface="Comfortaa"/>
+              <a:cs typeface="Comfortaa"/>
+              <a:sym typeface="Comfortaa"/>
+            </a:endParaRPr>
+          </a:p>
+          <a:p>
+            <a:pPr indent="-342900" lvl="0" marL="457200" rtl="0" algn="just">
+              <a:spcBef>
+                <a:spcPts val="0"/>
+              </a:spcBef>
+              <a:spcAft>
+                <a:spcPts val="0"/>
+              </a:spcAft>
+              <a:buClr>
+                <a:schemeClr val="lt1"/>
+              </a:buClr>
+              <a:buSzPts val="1800"/>
+              <a:buFont typeface="Comfortaa"/>
+              <a:buAutoNum type="arabicPeriod"/>
+            </a:pPr>
+            <a:r>
+              <a:rPr lang="ru" sz="1800">
+                <a:solidFill>
+                  <a:schemeClr val="lt1"/>
+                </a:solidFill>
+                <a:latin typeface="Comfortaa"/>
+                <a:ea typeface="Comfortaa"/>
+                <a:cs typeface="Comfortaa"/>
+                <a:sym typeface="Comfortaa"/>
+              </a:rPr>
+              <a:t>Сделать страницу </a:t>
+            </a:r>
+            <a:r>
+              <a:rPr b="1" i="1" lang="ru" sz="1800">
+                <a:solidFill>
+                  <a:schemeClr val="lt1"/>
+                </a:solidFill>
+                <a:latin typeface="Comfortaa"/>
+                <a:ea typeface="Comfortaa"/>
+                <a:cs typeface="Comfortaa"/>
+                <a:sym typeface="Comfortaa"/>
+              </a:rPr>
+              <a:t>“красивее”</a:t>
+            </a:r>
+            <a:r>
+              <a:rPr lang="ru" sz="1800">
+                <a:solidFill>
+                  <a:schemeClr val="lt1"/>
+                </a:solidFill>
+                <a:latin typeface="Comfortaa"/>
+                <a:ea typeface="Comfortaa"/>
+                <a:cs typeface="Comfortaa"/>
+                <a:sym typeface="Comfortaa"/>
+              </a:rPr>
+              <a:t>, использовать несколько шаблонов из </a:t>
+            </a:r>
+            <a:r>
+              <a:rPr b="1" lang="ru" sz="1800">
+                <a:solidFill>
+                  <a:schemeClr val="lt1"/>
+                </a:solidFill>
+                <a:latin typeface="Comfortaa"/>
+                <a:ea typeface="Comfortaa"/>
+                <a:cs typeface="Comfortaa"/>
+                <a:sym typeface="Comfortaa"/>
+              </a:rPr>
+              <a:t>Bootstrap</a:t>
+            </a:r>
+            <a:r>
+              <a:rPr lang="ru" sz="1800">
+                <a:solidFill>
+                  <a:schemeClr val="lt1"/>
+                </a:solidFill>
+                <a:latin typeface="Comfortaa"/>
+                <a:ea typeface="Comfortaa"/>
+                <a:cs typeface="Comfortaa"/>
+                <a:sym typeface="Comfortaa"/>
+              </a:rPr>
+              <a:t> (во время создания главной страницы, принимались попытки сделать это, однако ничего не получилось).</a:t>
+            </a:r>
+            <a:endParaRPr sz="1800">
+              <a:solidFill>
+                <a:schemeClr val="lt1"/>
+              </a:solidFill>
+              <a:latin typeface="Comfortaa"/>
+              <a:ea typeface="Comfortaa"/>
+              <a:cs typeface="Comfortaa"/>
+              <a:sym typeface="Comfortaa"/>
+            </a:endParaRPr>
+          </a:p>
+        </p:txBody>
+      </p:sp>
+      <p:sp>
+        <p:nvSpPr>
+          <p:cNvPr id="159" name="Google Shape;159;p23"/>
+          <p:cNvSpPr txBox="1"/>
+          <p:nvPr/>
+        </p:nvSpPr>
+        <p:spPr>
+          <a:xfrm>
+            <a:off x="4932100" y="136500"/>
+            <a:ext cx="3991800" cy="1867200"/>
+          </a:xfrm>
+          <a:prstGeom prst="rect">
+            <a:avLst/>
+          </a:prstGeom>
+          <a:noFill/>
+          <a:ln>
+            <a:noFill/>
+          </a:ln>
+        </p:spPr>
+        <p:txBody>
+          <a:bodyPr anchorCtr="0" anchor="ctr" bIns="91425" lIns="91425" spcFirstLastPara="1" rIns="91425" wrap="square" tIns="91425">
+            <a:noAutofit/>
+          </a:bodyPr>
+          <a:lstStyle/>
+          <a:p>
+            <a:pPr indent="0" lvl="0" marL="0" rtl="0" algn="just">
+              <a:spcBef>
+                <a:spcPts val="0"/>
+              </a:spcBef>
+              <a:spcAft>
+                <a:spcPts val="0"/>
+              </a:spcAft>
+              <a:buNone/>
+            </a:pPr>
+            <a:r>
+              <a:rPr lang="ru" sz="1700">
+                <a:solidFill>
+                  <a:schemeClr val="lt1"/>
+                </a:solidFill>
+                <a:latin typeface="Comfortaa"/>
+                <a:ea typeface="Comfortaa"/>
+                <a:cs typeface="Comfortaa"/>
+                <a:sym typeface="Comfortaa"/>
+              </a:rPr>
+              <a:t>    </a:t>
+            </a:r>
+            <a:r>
+              <a:rPr lang="ru" sz="1800">
+                <a:solidFill>
+                  <a:schemeClr val="lt1"/>
+                </a:solidFill>
+                <a:latin typeface="Comfortaa"/>
+                <a:ea typeface="Comfortaa"/>
+                <a:cs typeface="Comfortaa"/>
+                <a:sym typeface="Comfortaa"/>
+              </a:rPr>
+              <a:t>К сожалению скорее всего, как и прошлый проект, этот будет лежать на GitHub без дела долгое время. Но перед тем как это произойдёт, было бы неплохо добавить на сайт несколько вещей:</a:t>
+            </a:r>
+            <a:endParaRPr sz="1800">
+              <a:solidFill>
+                <a:schemeClr val="lt1"/>
+              </a:solidFill>
+              <a:latin typeface="Comfortaa"/>
+              <a:ea typeface="Comfortaa"/>
+              <a:cs typeface="Comfortaa"/>
+              <a:sym typeface="Comfortaa"/>
+            </a:endParaRPr>
+          </a:p>
+        </p:txBody>
+      </p:sp>
+    </p:spTree>
+  </p:cSld>
+  <p:clrMapOvr>
+    <a:masterClrMapping/>
+  </p:clrMapOvr>
+</p:sld>
+</file>
+
+<file path=ppt/slides/slide12.xml><?xml version="1.0" encoding="utf-8"?>
+<p:sld xmlns:a="http://schemas.openxmlformats.org/drawingml/2006/main" xmlns:r="http://schemas.openxmlformats.org/officeDocument/2006/relationships" xmlns:mc="http://schemas.openxmlformats.org/markup-compatibility/2006" xmlns:mv="urn:schemas-microsoft-com:mac:vml" xmlns:p="http://schemas.openxmlformats.org/presentationml/2006/main" xmlns:c="http://schemas.openxmlformats.org/drawingml/2006/chart" xmlns:dgm="http://schemas.openxmlformats.org/drawingml/2006/diagram" xmlns:o="urn:schemas-microsoft-com:office:office" xmlns:v="urn:schemas-microsoft-com:vml" xmlns:pvml="urn:schemas-microsoft-com:office:powerpoint" xmlns:com="http://schemas.openxmlformats.org/drawingml/2006/compatibility" xmlns:p14="http://schemas.microsoft.com/office/powerpoint/2010/main" xmlns:p15="http://schemas.microsoft.com/office/powerpoint/2012/main" xmlns:ahyp="http://schemas.microsoft.com/office/drawing/2018/hyperlinkcolor">
+  <p:cSld>
+    <p:bg>
+      <p:bgPr>
+        <a:solidFill>
+          <a:schemeClr val="dk1"/>
+        </a:solidFill>
+      </p:bgPr>
+    </p:bg>
+    <p:spTree>
+      <p:nvGrpSpPr>
+        <p:cNvPr id="163" name="Shape 163"/>
+        <p:cNvGrpSpPr/>
+        <p:nvPr/>
+      </p:nvGrpSpPr>
+      <p:grpSpPr>
+        <a:xfrm>
+          <a:off x="0" y="0"/>
+          <a:ext cx="0" cy="0"/>
+          <a:chOff x="0" y="0"/>
+          <a:chExt cx="0" cy="0"/>
+        </a:xfrm>
+      </p:grpSpPr>
+      <p:sp>
+        <p:nvSpPr>
+          <p:cNvPr id="164" name="Google Shape;164;p24"/>
+          <p:cNvSpPr txBox="1"/>
+          <p:nvPr/>
+        </p:nvSpPr>
+        <p:spPr>
+          <a:xfrm>
+            <a:off x="1491450" y="1330500"/>
+            <a:ext cx="6161100" cy="2482500"/>
+          </a:xfrm>
+          <a:prstGeom prst="rect">
+            <a:avLst/>
+          </a:prstGeom>
+          <a:noFill/>
+          <a:ln>
+            <a:noFill/>
+          </a:ln>
+        </p:spPr>
+        <p:txBody>
+          <a:bodyPr anchorCtr="0" anchor="ctr" bIns="91425" lIns="91425" spcFirstLastPara="1" rIns="91425" wrap="square" tIns="91425">
+            <a:noAutofit/>
+          </a:bodyPr>
+          <a:lstStyle/>
+          <a:p>
+            <a:pPr indent="0" lvl="0" marL="0" rtl="0" algn="ctr">
+              <a:spcBef>
+                <a:spcPts val="0"/>
+              </a:spcBef>
+              <a:spcAft>
+                <a:spcPts val="0"/>
+              </a:spcAft>
+              <a:buNone/>
+            </a:pPr>
+            <a:r>
+              <a:rPr lang="ru" sz="7500">
+                <a:solidFill>
+                  <a:schemeClr val="lt1"/>
+                </a:solidFill>
+                <a:latin typeface="Comfortaa"/>
+                <a:ea typeface="Comfortaa"/>
+                <a:cs typeface="Comfortaa"/>
+                <a:sym typeface="Comfortaa"/>
+              </a:rPr>
+              <a:t>Спасибо за внимание !</a:t>
+            </a:r>
+            <a:endParaRPr sz="7500">
+              <a:solidFill>
+                <a:schemeClr val="lt1"/>
+              </a:solidFill>
+              <a:latin typeface="Comfortaa"/>
+              <a:ea typeface="Comfortaa"/>
+              <a:cs typeface="Comfortaa"/>
+              <a:sym typeface="Comfortaa"/>
+            </a:endParaRPr>
+          </a:p>
+        </p:txBody>
+      </p:sp>
+    </p:spTree>
+  </p:cSld>
+  <p:clrMapOvr>
+    <a:masterClrMapping/>
+  </p:clrMapOvr>
+</p:sld>
+</file>
+
+<file path=ppt/slides/slide13.xml><?xml version="1.0" encoding="utf-8"?>
+<p:sld xmlns:a="http://schemas.openxmlformats.org/drawingml/2006/main" xmlns:r="http://schemas.openxmlformats.org/officeDocument/2006/relationships" xmlns:mc="http://schemas.openxmlformats.org/markup-compatibility/2006" xmlns:mv="urn:schemas-microsoft-com:mac:vml" xmlns:p="http://schemas.openxmlformats.org/presentationml/2006/main" xmlns:c="http://schemas.openxmlformats.org/drawingml/2006/chart" xmlns:dgm="http://schemas.openxmlformats.org/drawingml/2006/diagram" xmlns:o="urn:schemas-microsoft-com:office:office" xmlns:v="urn:schemas-microsoft-com:vml" xmlns:pvml="urn:schemas-microsoft-com:office:powerpoint" xmlns:com="http://schemas.openxmlformats.org/drawingml/2006/compatibility" xmlns:p14="http://schemas.microsoft.com/office/powerpoint/2010/main" xmlns:p15="http://schemas.microsoft.com/office/powerpoint/2012/main" xmlns:ahyp="http://schemas.microsoft.com/office/drawing/2018/hyperlinkcolor">
+  <p:cSld>
+    <p:spTree>
+      <p:nvGrpSpPr>
+        <p:cNvPr id="168" name="Shape 168"/>
+        <p:cNvGrpSpPr/>
+        <p:nvPr/>
+      </p:nvGrpSpPr>
+      <p:grpSpPr>
+        <a:xfrm>
+          <a:off x="0" y="0"/>
+          <a:ext cx="0" cy="0"/>
+          <a:chOff x="0" y="0"/>
+          <a:chExt cx="0" cy="0"/>
+        </a:xfrm>
+      </p:grpSpPr>
+      <p:sp>
+        <p:nvSpPr>
+          <p:cNvPr id="169" name="Google Shape;169;p25"/>
+          <p:cNvSpPr txBox="1"/>
+          <p:nvPr/>
+        </p:nvSpPr>
+        <p:spPr>
+          <a:xfrm>
+            <a:off x="356550" y="203575"/>
+            <a:ext cx="8430900" cy="4774500"/>
+          </a:xfrm>
+          <a:prstGeom prst="rect">
+            <a:avLst/>
+          </a:prstGeom>
+          <a:noFill/>
+          <a:ln>
+            <a:noFill/>
+          </a:ln>
+        </p:spPr>
+        <p:txBody>
+          <a:bodyPr anchorCtr="0" anchor="ctr" bIns="91425" lIns="91425" spcFirstLastPara="1" rIns="91425" wrap="square" tIns="91425">
+            <a:noAutofit/>
+          </a:bodyPr>
+          <a:lstStyle/>
+          <a:p>
+            <a:pPr indent="0" lvl="0" marL="0" rtl="0" algn="just">
+              <a:spcBef>
+                <a:spcPts val="0"/>
+              </a:spcBef>
+              <a:spcAft>
+                <a:spcPts val="0"/>
+              </a:spcAft>
+              <a:buNone/>
+            </a:pPr>
+            <a:r>
+              <a:rPr b="1" lang="ru" sz="2800">
+                <a:solidFill>
+                  <a:srgbClr val="1F1F1F"/>
+                </a:solidFill>
+                <a:latin typeface="Comfortaa"/>
+                <a:ea typeface="Comfortaa"/>
+                <a:cs typeface="Comfortaa"/>
+                <a:sym typeface="Comfortaa"/>
+              </a:rPr>
+              <a:t> P. S. </a:t>
+            </a:r>
+            <a:r>
+              <a:rPr lang="ru" sz="2800">
+                <a:solidFill>
+                  <a:srgbClr val="1F1F1F"/>
+                </a:solidFill>
+                <a:latin typeface="Comfortaa"/>
+                <a:ea typeface="Comfortaa"/>
+                <a:cs typeface="Comfortaa"/>
+                <a:sym typeface="Comfortaa"/>
+              </a:rPr>
+              <a:t>Все данные, которые Вы введёте при  регистрации аккаунта, будут доступны создателю проекта, не используйте свой настоящий номер телефона, почту, пароли, данные карты.</a:t>
+            </a:r>
+            <a:endParaRPr sz="2800">
+              <a:solidFill>
+                <a:srgbClr val="1F1F1F"/>
+              </a:solidFill>
+              <a:latin typeface="Comfortaa"/>
+              <a:ea typeface="Comfortaa"/>
+              <a:cs typeface="Comfortaa"/>
+              <a:sym typeface="Comfortaa"/>
+            </a:endParaRPr>
+          </a:p>
+          <a:p>
+            <a:pPr indent="0" lvl="0" marL="0" rtl="0" algn="just">
+              <a:spcBef>
+                <a:spcPts val="0"/>
+              </a:spcBef>
+              <a:spcAft>
+                <a:spcPts val="0"/>
+              </a:spcAft>
+              <a:buNone/>
+            </a:pPr>
+            <a:r>
+              <a:rPr b="1" lang="ru" sz="2800">
+                <a:solidFill>
+                  <a:srgbClr val="1F1F1F"/>
+                </a:solidFill>
+                <a:latin typeface="Comfortaa"/>
+                <a:ea typeface="Comfortaa"/>
+                <a:cs typeface="Comfortaa"/>
+                <a:sym typeface="Comfortaa"/>
+              </a:rPr>
+              <a:t> P. P. S. </a:t>
+            </a:r>
+            <a:r>
+              <a:rPr lang="ru" sz="2800">
+                <a:solidFill>
+                  <a:srgbClr val="1F1F1F"/>
+                </a:solidFill>
+                <a:latin typeface="Comfortaa"/>
+                <a:ea typeface="Comfortaa"/>
+                <a:cs typeface="Comfortaa"/>
+                <a:sym typeface="Comfortaa"/>
+              </a:rPr>
+              <a:t>Вы уже ввели данные? Не нужно паники. С шансом 99,9% автору будет лень проверять корректность данных.</a:t>
+            </a:r>
+            <a:endParaRPr sz="2800">
+              <a:solidFill>
+                <a:srgbClr val="1F1F1F"/>
+              </a:solidFill>
+              <a:latin typeface="Comfortaa"/>
+              <a:ea typeface="Comfortaa"/>
+              <a:cs typeface="Comfortaa"/>
+              <a:sym typeface="Comfortaa"/>
+            </a:endParaRPr>
+          </a:p>
+          <a:p>
+            <a:pPr indent="0" lvl="0" marL="0" rtl="0" algn="just">
+              <a:spcBef>
+                <a:spcPts val="0"/>
+              </a:spcBef>
+              <a:spcAft>
+                <a:spcPts val="0"/>
+              </a:spcAft>
+              <a:buNone/>
+            </a:pPr>
+            <a:r>
+              <a:rPr b="1" lang="ru" sz="2800">
+                <a:solidFill>
+                  <a:srgbClr val="1F1F1F"/>
+                </a:solidFill>
+                <a:latin typeface="Comfortaa"/>
+                <a:ea typeface="Comfortaa"/>
+                <a:cs typeface="Comfortaa"/>
+                <a:sym typeface="Comfortaa"/>
+              </a:rPr>
+              <a:t> P. P. P. S.</a:t>
+            </a:r>
+            <a:r>
+              <a:rPr lang="ru" sz="2800">
+                <a:solidFill>
+                  <a:srgbClr val="1F1F1F"/>
+                </a:solidFill>
+                <a:latin typeface="Comfortaa"/>
+                <a:ea typeface="Comfortaa"/>
+                <a:cs typeface="Comfortaa"/>
+                <a:sym typeface="Comfortaa"/>
+              </a:rPr>
+              <a:t> На самом деле вы можете вводить совершенно любые данные, ведь они сохранятся на </a:t>
+            </a:r>
+            <a:r>
+              <a:rPr b="1" lang="ru" sz="2800">
+                <a:solidFill>
+                  <a:srgbClr val="1F1F1F"/>
+                </a:solidFill>
+                <a:latin typeface="Comfortaa"/>
+                <a:ea typeface="Comfortaa"/>
+                <a:cs typeface="Comfortaa"/>
+                <a:sym typeface="Comfortaa"/>
+              </a:rPr>
+              <a:t>Ваш</a:t>
+            </a:r>
+            <a:r>
+              <a:rPr lang="ru" sz="2800">
+                <a:solidFill>
+                  <a:srgbClr val="1F1F1F"/>
+                </a:solidFill>
+                <a:latin typeface="Comfortaa"/>
+                <a:ea typeface="Comfortaa"/>
+                <a:cs typeface="Comfortaa"/>
+                <a:sym typeface="Comfortaa"/>
+              </a:rPr>
+              <a:t> компьютер.</a:t>
+            </a:r>
+            <a:endParaRPr sz="2800">
+              <a:solidFill>
+                <a:srgbClr val="1F1F1F"/>
               </a:solidFill>
               <a:latin typeface="Comfortaa"/>
               <a:ea typeface="Comfortaa"/>
@@ -8881,7 +9810,7 @@
   <p:cSld>
     <p:spTree>
       <p:nvGrpSpPr>
-        <p:cNvPr id="90" name="Shape 90"/>
+        <p:cNvPr id="92" name="Shape 92"/>
         <p:cNvGrpSpPr/>
         <p:nvPr/>
       </p:nvGrpSpPr>
@@ -8895,7 +9824,7 @@
       </p:grpSpPr>
       <p:sp>
         <p:nvSpPr>
-          <p:cNvPr id="91" name="Google Shape;91;p14"/>
+          <p:cNvPr id="93" name="Google Shape;93;p14"/>
           <p:cNvSpPr txBox="1"/>
           <p:nvPr/>
         </p:nvSpPr>
@@ -8918,7 +9847,7 @@
           </a:bodyPr>
           <a:lstStyle/>
           <a:p>
-            <a:pPr indent="0" lvl="0" marL="0" rtl="0" algn="l">
+            <a:pPr indent="0" lvl="0" marL="0" rtl="0" algn="just">
               <a:spcBef>
                 <a:spcPts val="0"/>
               </a:spcBef>
@@ -8937,7 +9866,7 @@
                 <a:cs typeface="Comfortaa"/>
                 <a:sym typeface="Comfortaa"/>
               </a:rPr>
-              <a:t>  Проект представляет из себя сайт, позволяющий покупать и продавать товары, оставлять отзывы и задавать вопросы, и конечно же отвечать на них. Для покупки товаров конечно же нужны деньги, которые имеются на Вашей карте. А в случае если их нет, то достаточно просто </a:t>
+              <a:t>   Проект представляет из себя сайт, позволяющий покупать и продавать товары, оставлять отзывы и задавать вопросы, и конечно же отвечать на них. Для покупки товаров нужны деньги, которые имеются на Вашей карте. А в случае если их нет, то достаточно просто </a:t>
             </a:r>
             <a:r>
               <a:rPr lang="ru" sz="1800">
@@ -8968,9 +9897,6 @@
                 <a:solidFill>
                   <a:srgbClr val="212529"/>
                 </a:solidFill>
-                <a:highlight>
-                  <a:schemeClr val="lt1"/>
-                </a:highlight>
                 <a:latin typeface="Comfortaa"/>
                 <a:ea typeface="Comfortaa"/>
                 <a:cs typeface="Comfortaa"/>
@@ -8983,9 +9909,6 @@
                 <a:solidFill>
                   <a:srgbClr val="CC0000"/>
                 </a:solidFill>
-                <a:highlight>
-                  <a:schemeClr val="lt1"/>
-                </a:highlight>
                 <a:latin typeface="Comfortaa"/>
                 <a:ea typeface="Comfortaa"/>
                 <a:cs typeface="Comfortaa"/>
@@ -8998,9 +9921,6 @@
                 <a:solidFill>
                   <a:srgbClr val="212529"/>
                 </a:solidFill>
-                <a:highlight>
-                  <a:schemeClr val="lt1"/>
-                </a:highlight>
                 <a:latin typeface="Comfortaa"/>
                 <a:ea typeface="Comfortaa"/>
                 <a:cs typeface="Comfortaa"/>
@@ -9013,9 +9933,6 @@
                 <a:solidFill>
                   <a:srgbClr val="6AA84F"/>
                 </a:solidFill>
-                <a:highlight>
-                  <a:schemeClr val="lt1"/>
-                </a:highlight>
                 <a:latin typeface="Comfortaa"/>
                 <a:ea typeface="Comfortaa"/>
                 <a:cs typeface="Comfortaa"/>
@@ -9028,24 +9945,18 @@
                 <a:solidFill>
                   <a:srgbClr val="212529"/>
                 </a:solidFill>
-                <a:highlight>
-                  <a:schemeClr val="lt1"/>
-                </a:highlight>
-                <a:latin typeface="Comfortaa"/>
-                <a:ea typeface="Comfortaa"/>
-                <a:cs typeface="Comfortaa"/>
-                <a:sym typeface="Comfortaa"/>
-              </a:rPr>
-              <a:t>, нужно нажать на соответствующую кнопку. А для того чтобы изменить статус своей карты, что даст Вам некоторые бонусы, нужно </a:t>
+                <a:latin typeface="Comfortaa"/>
+                <a:ea typeface="Comfortaa"/>
+                <a:cs typeface="Comfortaa"/>
+                <a:sym typeface="Comfortaa"/>
+              </a:rPr>
+              <a:t>, нужно нажать на соответствующую кнопку. Если потребуется  изменить статус своей карты (это даст Вам некоторые бонусы), нужно </a:t>
             </a:r>
             <a:r>
               <a:rPr lang="ru" sz="1800">
                 <a:solidFill>
                   <a:srgbClr val="BF9000"/>
                 </a:solidFill>
-                <a:highlight>
-                  <a:schemeClr val="lt1"/>
-                </a:highlight>
                 <a:latin typeface="Comfortaa"/>
                 <a:ea typeface="Comfortaa"/>
                 <a:cs typeface="Comfortaa"/>
@@ -9058,41 +9969,12 @@
                 <a:solidFill>
                   <a:srgbClr val="1F1F1F"/>
                 </a:solidFill>
-                <a:highlight>
-                  <a:schemeClr val="lt1"/>
-                </a:highlight>
                 <a:latin typeface="Comfortaa"/>
                 <a:ea typeface="Comfortaa"/>
                 <a:cs typeface="Comfortaa"/>
                 <a:sym typeface="Comfortaa"/>
               </a:rPr>
               <a:t>.</a:t>
-            </a:r>
-            <a:endParaRPr sz="1800">
-              <a:solidFill>
-                <a:srgbClr val="212529"/>
-              </a:solidFill>
-              <a:highlight>
-                <a:srgbClr val="F8F9FA"/>
-              </a:highlight>
-              <a:latin typeface="Comfortaa"/>
-              <a:ea typeface="Comfortaa"/>
-              <a:cs typeface="Comfortaa"/>
-              <a:sym typeface="Comfortaa"/>
-            </a:endParaRPr>
-          </a:p>
-          <a:p>
-            <a:pPr indent="0" lvl="0" marL="0" rtl="0" algn="l">
-              <a:spcBef>
-                <a:spcPts val="0"/>
-              </a:spcBef>
-              <a:spcAft>
-                <a:spcPts val="0"/>
-              </a:spcAft>
-              <a:buNone/>
-            </a:pPr>
-            <a:r>
-              <a:t/>
             </a:r>
             <a:endParaRPr sz="1800">
               <a:solidFill>
@@ -9108,14 +9990,14 @@
       </p:sp>
       <p:sp>
         <p:nvSpPr>
-          <p:cNvPr id="92" name="Google Shape;92;p14"/>
+          <p:cNvPr id="94" name="Google Shape;94;p14"/>
           <p:cNvSpPr txBox="1"/>
           <p:nvPr/>
         </p:nvSpPr>
         <p:spPr>
           <a:xfrm>
-            <a:off x="130725" y="268850"/>
-            <a:ext cx="2948100" cy="650100"/>
+            <a:off x="132675" y="224525"/>
+            <a:ext cx="2946300" cy="1138200"/>
           </a:xfrm>
           <a:prstGeom prst="rect">
             <a:avLst/>
@@ -9162,17 +10044,49 @@
               <a:sym typeface="Comfortaa"/>
             </a:endParaRPr>
           </a:p>
+          <a:p>
+            <a:pPr indent="0" lvl="0" marL="0" rtl="0" algn="l">
+              <a:spcBef>
+                <a:spcPts val="0"/>
+              </a:spcBef>
+              <a:spcAft>
+                <a:spcPts val="0"/>
+              </a:spcAft>
+              <a:buNone/>
+            </a:pPr>
+            <a:r>
+              <a:rPr lang="ru" sz="3000">
+                <a:solidFill>
+                  <a:schemeClr val="dk2"/>
+                </a:solidFill>
+                <a:latin typeface="Comfortaa"/>
+                <a:ea typeface="Comfortaa"/>
+                <a:cs typeface="Comfortaa"/>
+                <a:sym typeface="Comfortaa"/>
+              </a:rPr>
+              <a:t>    и идея</a:t>
+            </a:r>
+            <a:endParaRPr sz="3000">
+              <a:solidFill>
+                <a:schemeClr val="dk2"/>
+              </a:solidFill>
+              <a:latin typeface="Comfortaa"/>
+              <a:ea typeface="Comfortaa"/>
+              <a:cs typeface="Comfortaa"/>
+              <a:sym typeface="Comfortaa"/>
+            </a:endParaRPr>
+          </a:p>
         </p:txBody>
       </p:sp>
       <p:sp>
         <p:nvSpPr>
-          <p:cNvPr id="93" name="Google Shape;93;p14"/>
+          <p:cNvPr id="95" name="Google Shape;95;p14"/>
           <p:cNvSpPr/>
           <p:nvPr/>
         </p:nvSpPr>
         <p:spPr>
           <a:xfrm>
-            <a:off x="-286875" y="-473900"/>
+            <a:off x="-397425" y="-284775"/>
             <a:ext cx="3476400" cy="1881000"/>
           </a:xfrm>
           <a:prstGeom prst="round2DiagRect">
@@ -9221,7 +10135,7 @@
       </p:sp>
       <p:pic>
         <p:nvPicPr>
-          <p:cNvPr id="94" name="Google Shape;94;p14"/>
+          <p:cNvPr id="96" name="Google Shape;96;p14"/>
           <p:cNvPicPr preferRelativeResize="0"/>
           <p:nvPr/>
         </p:nvPicPr>
@@ -9260,7 +10174,7 @@
   <p:cSld>
     <p:spTree>
       <p:nvGrpSpPr>
-        <p:cNvPr id="98" name="Shape 98"/>
+        <p:cNvPr id="100" name="Shape 100"/>
         <p:cNvGrpSpPr/>
         <p:nvPr/>
       </p:nvGrpSpPr>
@@ -9274,7 +10188,7 @@
       </p:grpSpPr>
       <p:pic>
         <p:nvPicPr>
-          <p:cNvPr id="99" name="Google Shape;99;p15"/>
+          <p:cNvPr id="101" name="Google Shape;101;p15"/>
           <p:cNvPicPr preferRelativeResize="0"/>
           <p:nvPr/>
         </p:nvPicPr>
@@ -9302,7 +10216,7 @@
       </p:pic>
       <p:pic>
         <p:nvPicPr>
-          <p:cNvPr id="100" name="Google Shape;100;p15"/>
+          <p:cNvPr id="102" name="Google Shape;102;p15"/>
           <p:cNvPicPr preferRelativeResize="0"/>
           <p:nvPr/>
         </p:nvPicPr>
@@ -9330,7 +10244,7 @@
       </p:pic>
       <p:sp>
         <p:nvSpPr>
-          <p:cNvPr id="101" name="Google Shape;101;p15"/>
+          <p:cNvPr id="103" name="Google Shape;103;p15"/>
           <p:cNvSpPr/>
           <p:nvPr/>
         </p:nvSpPr>
@@ -9382,7 +10296,7 @@
       </p:sp>
       <p:sp>
         <p:nvSpPr>
-          <p:cNvPr id="102" name="Google Shape;102;p15"/>
+          <p:cNvPr id="104" name="Google Shape;104;p15"/>
           <p:cNvSpPr/>
           <p:nvPr/>
         </p:nvSpPr>
@@ -9434,7 +10348,7 @@
       </p:sp>
       <p:sp>
         <p:nvSpPr>
-          <p:cNvPr id="103" name="Google Shape;103;p15"/>
+          <p:cNvPr id="105" name="Google Shape;105;p15"/>
           <p:cNvSpPr txBox="1"/>
           <p:nvPr/>
         </p:nvSpPr>
@@ -9457,7 +10371,7 @@
           </a:bodyPr>
           <a:lstStyle/>
           <a:p>
-            <a:pPr indent="0" lvl="0" marL="0" rtl="0" algn="ctr">
+            <a:pPr indent="0" lvl="0" marL="0" rtl="0" algn="just">
               <a:spcBef>
                 <a:spcPts val="0"/>
               </a:spcBef>
@@ -9476,7 +10390,7 @@
                 <a:cs typeface="Comfortaa"/>
                 <a:sym typeface="Comfortaa"/>
               </a:rPr>
-              <a:t>Безусловно, Вы можете </a:t>
+              <a:t>   И конечно же, Вы можете </a:t>
             </a:r>
             <a:r>
               <a:rPr lang="ru" sz="1900">
@@ -9500,7 +10414,7 @@
                 <a:cs typeface="Comfortaa"/>
                 <a:sym typeface="Comfortaa"/>
               </a:rPr>
-              <a:t> какой-либо товар (просьба делать это, если он у Вас действительно имеется). Вы можете </a:t>
+              <a:t> какой-либо товар (выставляйте любой товар, это тестовое приложение). Вы можете </a:t>
             </a:r>
             <a:r>
               <a:rPr lang="ru" sz="1900">
@@ -9623,7 +10537,7 @@
   <p:cSld>
     <p:spTree>
       <p:nvGrpSpPr>
-        <p:cNvPr id="107" name="Shape 107"/>
+        <p:cNvPr id="109" name="Shape 109"/>
         <p:cNvGrpSpPr/>
         <p:nvPr/>
       </p:nvGrpSpPr>
@@ -9637,7 +10551,7 @@
       </p:grpSpPr>
       <p:pic>
         <p:nvPicPr>
-          <p:cNvPr id="108" name="Google Shape;108;p16"/>
+          <p:cNvPr id="110" name="Google Shape;110;p16"/>
           <p:cNvPicPr preferRelativeResize="0"/>
           <p:nvPr/>
         </p:nvPicPr>
@@ -9665,7 +10579,7 @@
       </p:pic>
       <p:sp>
         <p:nvSpPr>
-          <p:cNvPr id="109" name="Google Shape;109;p16"/>
+          <p:cNvPr id="111" name="Google Shape;111;p16"/>
           <p:cNvSpPr/>
           <p:nvPr/>
         </p:nvSpPr>
@@ -9717,7 +10631,7 @@
       </p:sp>
       <p:sp>
         <p:nvSpPr>
-          <p:cNvPr id="110" name="Google Shape;110;p16"/>
+          <p:cNvPr id="112" name="Google Shape;112;p16"/>
           <p:cNvSpPr txBox="1"/>
           <p:nvPr/>
         </p:nvSpPr>
@@ -9787,7 +10701,7 @@
       </p:sp>
       <p:pic>
         <p:nvPicPr>
-          <p:cNvPr id="111" name="Google Shape;111;p16"/>
+          <p:cNvPr id="113" name="Google Shape;113;p16"/>
           <p:cNvPicPr preferRelativeResize="0"/>
           <p:nvPr/>
         </p:nvPicPr>
@@ -9815,7 +10729,7 @@
       </p:pic>
       <p:pic>
         <p:nvPicPr>
-          <p:cNvPr id="112" name="Google Shape;112;p16"/>
+          <p:cNvPr id="114" name="Google Shape;114;p16"/>
           <p:cNvPicPr preferRelativeResize="0"/>
           <p:nvPr/>
         </p:nvPicPr>
@@ -9843,13 +10757,13 @@
       </p:pic>
       <p:sp>
         <p:nvSpPr>
-          <p:cNvPr id="113" name="Google Shape;113;p16"/>
+          <p:cNvPr id="115" name="Google Shape;115;p16"/>
           <p:cNvSpPr/>
           <p:nvPr/>
         </p:nvSpPr>
         <p:spPr>
           <a:xfrm>
-            <a:off x="152400" y="2725350"/>
+            <a:off x="147425" y="2719450"/>
             <a:ext cx="2784000" cy="2266800"/>
           </a:xfrm>
           <a:prstGeom prst="rect">
@@ -9895,7 +10809,7 @@
       </p:sp>
       <p:sp>
         <p:nvSpPr>
-          <p:cNvPr id="114" name="Google Shape;114;p16"/>
+          <p:cNvPr id="116" name="Google Shape;116;p16"/>
           <p:cNvSpPr/>
           <p:nvPr/>
         </p:nvSpPr>
@@ -9947,7 +10861,7 @@
       </p:sp>
       <p:sp>
         <p:nvSpPr>
-          <p:cNvPr id="115" name="Google Shape;115;p16"/>
+          <p:cNvPr id="117" name="Google Shape;117;p16"/>
           <p:cNvSpPr txBox="1"/>
           <p:nvPr/>
         </p:nvSpPr>
@@ -9989,7 +10903,7 @@
                 <a:cs typeface="Comfortaa"/>
                 <a:sym typeface="Comfortaa"/>
               </a:rPr>
-              <a:t>Вы также можете нажать на кнопку “</a:t>
+              <a:t>  Вы также можете нажать на кнопку “</a:t>
             </a:r>
             <a:r>
               <a:rPr lang="ru" sz="2000">
@@ -10047,7 +10961,7 @@
     </p:bg>
     <p:spTree>
       <p:nvGrpSpPr>
-        <p:cNvPr id="119" name="Shape 119"/>
+        <p:cNvPr id="121" name="Shape 121"/>
         <p:cNvGrpSpPr/>
         <p:nvPr/>
       </p:nvGrpSpPr>
@@ -10061,7 +10975,7 @@
       </p:grpSpPr>
       <p:sp>
         <p:nvSpPr>
-          <p:cNvPr id="120" name="Google Shape;120;p17"/>
+          <p:cNvPr id="122" name="Google Shape;122;p17"/>
           <p:cNvSpPr txBox="1"/>
           <p:nvPr/>
         </p:nvSpPr>
@@ -10119,7 +11033,7 @@
       </p:sp>
       <p:sp>
         <p:nvSpPr>
-          <p:cNvPr id="121" name="Google Shape;121;p17"/>
+          <p:cNvPr id="123" name="Google Shape;123;p17"/>
           <p:cNvSpPr/>
           <p:nvPr/>
         </p:nvSpPr>
@@ -10173,7 +11087,7 @@
       </p:sp>
       <p:sp>
         <p:nvSpPr>
-          <p:cNvPr id="122" name="Google Shape;122;p17"/>
+          <p:cNvPr id="124" name="Google Shape;124;p17"/>
           <p:cNvSpPr txBox="1"/>
           <p:nvPr/>
         </p:nvSpPr>
@@ -10479,7 +11393,7 @@
                 <a:cs typeface="Comfortaa"/>
                 <a:sym typeface="Comfortaa"/>
               </a:rPr>
-              <a:t> - вопрос заданные пользователем;</a:t>
+              <a:t> - вопрос заданный пользователем;</a:t>
             </a:r>
             <a:endParaRPr sz="2500">
               <a:solidFill>
@@ -10604,7 +11518,7 @@
   <p:cSld>
     <p:spTree>
       <p:nvGrpSpPr>
-        <p:cNvPr id="126" name="Shape 126"/>
+        <p:cNvPr id="128" name="Shape 128"/>
         <p:cNvGrpSpPr/>
         <p:nvPr/>
       </p:nvGrpSpPr>
@@ -10618,7 +11532,7 @@
       </p:grpSpPr>
       <p:sp>
         <p:nvSpPr>
-          <p:cNvPr id="127" name="Google Shape;127;p18"/>
+          <p:cNvPr id="129" name="Google Shape;129;p18"/>
           <p:cNvSpPr txBox="1"/>
           <p:nvPr/>
         </p:nvSpPr>
@@ -10684,7 +11598,7 @@
                 <a:cs typeface="Comfortaa"/>
                 <a:sym typeface="Comfortaa"/>
               </a:rPr>
-              <a:t>: класс пользователя, для него создано отдельное </a:t>
+              <a:t>: класс пользователя, для него создано </a:t>
             </a:r>
             <a:r>
               <a:rPr b="1" lang="ru" sz="3000">
@@ -11127,7 +12041,7 @@
   <p:cSld>
     <p:spTree>
       <p:nvGrpSpPr>
-        <p:cNvPr id="131" name="Shape 131"/>
+        <p:cNvPr id="133" name="Shape 133"/>
         <p:cNvGrpSpPr/>
         <p:nvPr/>
       </p:nvGrpSpPr>
@@ -11141,7 +12055,7 @@
       </p:grpSpPr>
       <p:sp>
         <p:nvSpPr>
-          <p:cNvPr id="132" name="Google Shape;132;p19"/>
+          <p:cNvPr id="134" name="Google Shape;134;p19"/>
           <p:cNvSpPr txBox="1"/>
           <p:nvPr/>
         </p:nvSpPr>
@@ -11207,7 +12121,7 @@
                 <a:cs typeface="Comfortaa"/>
                 <a:sym typeface="Comfortaa"/>
               </a:rPr>
-              <a:t>: класс товара, для него создано отдельное </a:t>
+              <a:t>: класс товара, для него создано </a:t>
             </a:r>
             <a:r>
               <a:rPr b="1" lang="ru" sz="3000">
@@ -11699,7 +12613,7 @@
   <p:cSld>
     <p:spTree>
       <p:nvGrpSpPr>
-        <p:cNvPr id="136" name="Shape 136"/>
+        <p:cNvPr id="138" name="Shape 138"/>
         <p:cNvGrpSpPr/>
         <p:nvPr/>
       </p:nvGrpSpPr>
@@ -11713,7 +12627,7 @@
       </p:grpSpPr>
       <p:sp>
         <p:nvSpPr>
-          <p:cNvPr id="137" name="Google Shape;137;p20"/>
+          <p:cNvPr id="139" name="Google Shape;139;p20"/>
           <p:cNvSpPr txBox="1"/>
           <p:nvPr/>
         </p:nvSpPr>
@@ -11779,7 +12693,7 @@
                 <a:cs typeface="Comfortaa"/>
                 <a:sym typeface="Comfortaa"/>
               </a:rPr>
-              <a:t>: класс банковской карты, для него создано отдельное </a:t>
+              <a:t>: класс банковской карты, для него создано </a:t>
             </a:r>
             <a:r>
               <a:rPr b="1" lang="ru" sz="3000">
@@ -12146,7 +13060,7 @@
                 <a:cs typeface="Comfortaa"/>
                 <a:sym typeface="Comfortaa"/>
               </a:rPr>
-              <a:t>- имеющиеся карты у карты</a:t>
+              <a:t>- имеющиеся статусы карты</a:t>
             </a:r>
             <a:endParaRPr sz="2600">
               <a:solidFill>
@@ -12173,7 +13087,7 @@
   <p:cSld>
     <p:spTree>
       <p:nvGrpSpPr>
-        <p:cNvPr id="141" name="Shape 141"/>
+        <p:cNvPr id="143" name="Shape 143"/>
         <p:cNvGrpSpPr/>
         <p:nvPr/>
       </p:nvGrpSpPr>
@@ -12187,7 +13101,7 @@
       </p:grpSpPr>
       <p:sp>
         <p:nvSpPr>
-          <p:cNvPr id="142" name="Google Shape;142;p21"/>
+          <p:cNvPr id="144" name="Google Shape;144;p21"/>
           <p:cNvSpPr txBox="1"/>
           <p:nvPr/>
         </p:nvSpPr>
@@ -12234,6 +13148,18 @@
             <a:r>
               <a:rPr b="1" lang="ru" sz="3300">
                 <a:solidFill>
+                  <a:srgbClr val="990000"/>
+                </a:solidFill>
+                <a:latin typeface="Comfortaa"/>
+                <a:ea typeface="Comfortaa"/>
+                <a:cs typeface="Comfortaa"/>
+                <a:sym typeface="Comfortaa"/>
+              </a:rPr>
+              <a:t>ASK</a:t>
+            </a:r>
+            <a:r>
+              <a:rPr lang="ru" sz="3300">
+                <a:solidFill>
                   <a:srgbClr val="1F1F1F"/>
                 </a:solidFill>
                 <a:latin typeface="Comfortaa"/>
@@ -12241,7 +13167,19 @@
                 <a:cs typeface="Comfortaa"/>
                 <a:sym typeface="Comfortaa"/>
               </a:rPr>
-              <a:t>ASK</a:t>
+              <a:t>, </a:t>
+            </a:r>
+            <a:r>
+              <a:rPr b="1" lang="ru" sz="3300">
+                <a:solidFill>
+                  <a:srgbClr val="38761D"/>
+                </a:solidFill>
+                <a:latin typeface="Comfortaa"/>
+                <a:ea typeface="Comfortaa"/>
+                <a:cs typeface="Comfortaa"/>
+                <a:sym typeface="Comfortaa"/>
+              </a:rPr>
+              <a:t>REVIEW</a:t>
             </a:r>
             <a:r>
               <a:rPr lang="ru" sz="3300">
@@ -12258,31 +13196,7 @@
             <a:r>
               <a:rPr b="1" lang="ru" sz="3300">
                 <a:solidFill>
-                  <a:srgbClr val="1F1F1F"/>
-                </a:solidFill>
-                <a:latin typeface="Comfortaa"/>
-                <a:ea typeface="Comfortaa"/>
-                <a:cs typeface="Comfortaa"/>
-                <a:sym typeface="Comfortaa"/>
-              </a:rPr>
-              <a:t>REVIEW</a:t>
-            </a:r>
-            <a:r>
-              <a:rPr lang="ru" sz="3300">
-                <a:solidFill>
-                  <a:srgbClr val="1F1F1F"/>
-                </a:solidFill>
-                <a:latin typeface="Comfortaa"/>
-                <a:ea typeface="Comfortaa"/>
-                <a:cs typeface="Comfortaa"/>
-                <a:sym typeface="Comfortaa"/>
-              </a:rPr>
-              <a:t>, </a:t>
-            </a:r>
-            <a:r>
-              <a:rPr b="1" lang="ru" sz="3300">
-                <a:solidFill>
-                  <a:srgbClr val="1F1F1F"/>
+                  <a:srgbClr val="1155CC"/>
                 </a:solidFill>
                 <a:latin typeface="Comfortaa"/>
                 <a:ea typeface="Comfortaa"/>
@@ -12373,7 +13287,79 @@
                 <a:cs typeface="Comfortaa"/>
                 <a:sym typeface="Comfortaa"/>
               </a:rPr>
-              <a:t>- Идентификатор вопроса, отзыва или ответа.</a:t>
+              <a:t>- Идентификатор </a:t>
+            </a:r>
+            <a:r>
+              <a:rPr lang="ru" sz="3300">
+                <a:solidFill>
+                  <a:srgbClr val="990000"/>
+                </a:solidFill>
+                <a:latin typeface="Comfortaa"/>
+                <a:ea typeface="Comfortaa"/>
+                <a:cs typeface="Comfortaa"/>
+                <a:sym typeface="Comfortaa"/>
+              </a:rPr>
+              <a:t>вопроса</a:t>
+            </a:r>
+            <a:r>
+              <a:rPr lang="ru" sz="3300">
+                <a:solidFill>
+                  <a:srgbClr val="1F1F1F"/>
+                </a:solidFill>
+                <a:latin typeface="Comfortaa"/>
+                <a:ea typeface="Comfortaa"/>
+                <a:cs typeface="Comfortaa"/>
+                <a:sym typeface="Comfortaa"/>
+              </a:rPr>
+              <a:t>, </a:t>
+            </a:r>
+            <a:r>
+              <a:rPr lang="ru" sz="3300">
+                <a:solidFill>
+                  <a:srgbClr val="38761D"/>
+                </a:solidFill>
+                <a:latin typeface="Comfortaa"/>
+                <a:ea typeface="Comfortaa"/>
+                <a:cs typeface="Comfortaa"/>
+                <a:sym typeface="Comfortaa"/>
+              </a:rPr>
+              <a:t>отзыва</a:t>
+            </a:r>
+            <a:r>
+              <a:rPr lang="ru" sz="3300">
+                <a:solidFill>
+                  <a:srgbClr val="1F1F1F"/>
+                </a:solidFill>
+                <a:latin typeface="Comfortaa"/>
+                <a:ea typeface="Comfortaa"/>
+                <a:cs typeface="Comfortaa"/>
+                <a:sym typeface="Comfortaa"/>
+              </a:rPr>
+              <a:t> или </a:t>
+            </a:r>
+            <a:r>
+              <a:rPr lang="ru" sz="3300">
+                <a:solidFill>
+                  <a:srgbClr val="1155CC"/>
+                </a:solidFill>
+                <a:latin typeface="Comfortaa"/>
+                <a:ea typeface="Comfortaa"/>
+                <a:cs typeface="Comfortaa"/>
+                <a:sym typeface="Comfortaa"/>
+              </a:rPr>
+              <a:t>ответа</a:t>
+            </a:r>
+            <a:r>
+              <a:rPr lang="ru" sz="3300">
+                <a:solidFill>
+                  <a:srgbClr val="1F1F1F"/>
+                </a:solidFill>
+                <a:latin typeface="Comfortaa"/>
+                <a:ea typeface="Comfortaa"/>
+                <a:cs typeface="Comfortaa"/>
+                <a:sym typeface="Comfortaa"/>
+              </a:rPr>
+              <a:t>.</a:t>
             </a:r>
             <a:endParaRPr sz="3300">
               <a:solidFill>
@@ -12422,7 +13408,79 @@
                 <a:cs typeface="Comfortaa"/>
                 <a:sym typeface="Comfortaa"/>
               </a:rPr>
-              <a:t>- Содержание вопроса, отзыва или ответа.</a:t>
+              <a:t>- Содержание </a:t>
+            </a:r>
+            <a:r>
+              <a:rPr lang="ru" sz="3300">
+                <a:solidFill>
+                  <a:srgbClr val="990000"/>
+                </a:solidFill>
+                <a:latin typeface="Comfortaa"/>
+                <a:ea typeface="Comfortaa"/>
+                <a:cs typeface="Comfortaa"/>
+                <a:sym typeface="Comfortaa"/>
+              </a:rPr>
+              <a:t>вопроса</a:t>
+            </a:r>
+            <a:r>
+              <a:rPr lang="ru" sz="3300">
+                <a:solidFill>
+                  <a:srgbClr val="1F1F1F"/>
+                </a:solidFill>
+                <a:latin typeface="Comfortaa"/>
+                <a:ea typeface="Comfortaa"/>
+                <a:cs typeface="Comfortaa"/>
+                <a:sym typeface="Comfortaa"/>
+              </a:rPr>
+              <a:t>, </a:t>
+            </a:r>
+            <a:r>
+              <a:rPr lang="ru" sz="3300">
+                <a:solidFill>
+                  <a:srgbClr val="38761D"/>
+                </a:solidFill>
+                <a:latin typeface="Comfortaa"/>
+                <a:ea typeface="Comfortaa"/>
+                <a:cs typeface="Comfortaa"/>
+                <a:sym typeface="Comfortaa"/>
+              </a:rPr>
+              <a:t>отзыва</a:t>
+            </a:r>
+            <a:r>
+              <a:rPr lang="ru" sz="3300">
+                <a:solidFill>
+                  <a:srgbClr val="1F1F1F"/>
+                </a:solidFill>
+                <a:latin typeface="Comfortaa"/>
+                <a:ea typeface="Comfortaa"/>
+                <a:cs typeface="Comfortaa"/>
+                <a:sym typeface="Comfortaa"/>
+              </a:rPr>
+              <a:t> или </a:t>
+            </a:r>
+            <a:r>
+              <a:rPr lang="ru" sz="3300">
+                <a:solidFill>
+                  <a:srgbClr val="1155CC"/>
+                </a:solidFill>
+                <a:latin typeface="Comfortaa"/>
+                <a:ea typeface="Comfortaa"/>
+                <a:cs typeface="Comfortaa"/>
+                <a:sym typeface="Comfortaa"/>
+              </a:rPr>
+              <a:t>ответа</a:t>
+            </a:r>
+            <a:r>
+              <a:rPr lang="ru" sz="3300">
+                <a:solidFill>
+                  <a:srgbClr val="1F1F1F"/>
+                </a:solidFill>
+                <a:latin typeface="Comfortaa"/>
+                <a:ea typeface="Comfortaa"/>
+                <a:cs typeface="Comfortaa"/>
+                <a:sym typeface="Comfortaa"/>
+              </a:rPr>
+              <a:t>.</a:t>
             </a:r>
             <a:endParaRPr sz="3300">
               <a:solidFill>
@@ -12471,7 +13529,55 @@
                 <a:cs typeface="Comfortaa"/>
                 <a:sym typeface="Comfortaa"/>
               </a:rPr>
-              <a:t> - Идентификаторы ответов на вопросы или отзывы.</a:t>
+              <a:t> - Идентификаторы ответов на </a:t>
+            </a:r>
+            <a:r>
+              <a:rPr lang="ru" sz="3300">
+                <a:solidFill>
+                  <a:srgbClr val="990000"/>
+                </a:solidFill>
+                <a:latin typeface="Comfortaa"/>
+                <a:ea typeface="Comfortaa"/>
+                <a:cs typeface="Comfortaa"/>
+                <a:sym typeface="Comfortaa"/>
+              </a:rPr>
+              <a:t>вопросы</a:t>
+            </a:r>
+            <a:r>
+              <a:rPr lang="ru" sz="3300">
+                <a:solidFill>
+                  <a:srgbClr val="1F1F1F"/>
+                </a:solidFill>
+                <a:latin typeface="Comfortaa"/>
+                <a:ea typeface="Comfortaa"/>
+                <a:cs typeface="Comfortaa"/>
+                <a:sym typeface="Comfortaa"/>
+              </a:rPr>
+              <a:t> или </a:t>
+            </a:r>
+            <a:r>
+              <a:rPr lang="ru" sz="3300">
+                <a:solidFill>
+                  <a:srgbClr val="38761D"/>
+                </a:solidFill>
+                <a:latin typeface="Comfortaa"/>
+                <a:ea typeface="Comfortaa"/>
+                <a:cs typeface="Comfortaa"/>
+                <a:sym typeface="Comfortaa"/>
+              </a:rPr>
+              <a:t>отзывы</a:t>
+            </a:r>
+            <a:r>
+              <a:rPr lang="ru" sz="3300">
+                <a:solidFill>
+                  <a:srgbClr val="1F1F1F"/>
+                </a:solidFill>
+                <a:latin typeface="Comfortaa"/>
+                <a:ea typeface="Comfortaa"/>
+                <a:cs typeface="Comfortaa"/>
+                <a:sym typeface="Comfortaa"/>
+              </a:rPr>
+              <a:t>.</a:t>
             </a:r>
             <a:endParaRPr sz="3300">
               <a:solidFill>
@@ -12520,7 +13626,31 @@
                 <a:cs typeface="Comfortaa"/>
                 <a:sym typeface="Comfortaa"/>
               </a:rPr>
-              <a:t> - Оценка товара в отзыве.</a:t>
+              <a:t> - Оценка товара в </a:t>
+            </a:r>
+            <a:r>
+              <a:rPr lang="ru" sz="3300">
+                <a:solidFill>
+                  <a:srgbClr val="38761D"/>
+                </a:solidFill>
+                <a:latin typeface="Comfortaa"/>
+                <a:ea typeface="Comfortaa"/>
+                <a:cs typeface="Comfortaa"/>
+                <a:sym typeface="Comfortaa"/>
+              </a:rPr>
+              <a:t>отзыве</a:t>
+            </a:r>
+            <a:r>
+              <a:rPr lang="ru" sz="3300">
+                <a:solidFill>
+                  <a:srgbClr val="1F1F1F"/>
+                </a:solidFill>
+                <a:latin typeface="Comfortaa"/>
+                <a:ea typeface="Comfortaa"/>
+                <a:cs typeface="Comfortaa"/>
+                <a:sym typeface="Comfortaa"/>
+              </a:rPr>
+              <a:t>.</a:t>
             </a:r>
             <a:endParaRPr sz="3300">
               <a:solidFill>
@@ -12543,6 +13673,285 @@
 </file>
 
 <file path=ppt/theme/theme1.xml><?xml version="1.0" encoding="utf-8"?>
+<a:theme xmlns:a="http://schemas.openxmlformats.org/drawingml/2006/main" xmlns:r="http://schemas.openxmlformats.org/officeDocument/2006/relationships" name="Geometric">
+  <a:themeElements>
+    <a:clrScheme name="Geometric">
+      <a:dk1>
+        <a:srgbClr val="2A3990"/>
+      </a:dk1>
+      <a:lt1>
+        <a:srgbClr val="FFFFFF"/>
+      </a:lt1>
+      <a:dk2>
+        <a:srgbClr val="434343"/>
+      </a:dk2>
+      <a:lt2>
+        <a:srgbClr val="999999"/>
+      </a:lt2>
+      <a:accent1>
+        <a:srgbClr val="212D74"/>
+      </a:accent1>
+      <a:accent2>
+        <a:srgbClr val="3949AB"/>
+      </a:accent2>
+      <a:accent3>
+        <a:srgbClr val="9C254D"/>
+      </a:accent3>
+      <a:accent4>
+        <a:srgbClr val="D23369"/>
+      </a:accent4>
+      <a:accent5>
+        <a:srgbClr val="F06292"/>
+      </a:accent5>
+      <a:accent6>
+        <a:srgbClr val="7890CD"/>
+      </a:accent6>
+      <a:hlink>
+        <a:srgbClr val="F06292"/>
+      </a:hlink>
+      <a:folHlink>
+        <a:srgbClr val="F06292"/>
+      </a:folHlink>
+    </a:clrScheme>
+    <a:fontScheme name="Office">
+      <a:majorFont>
+        <a:latin typeface="Arial"/>
+        <a:ea typeface=""/>
+        <a:cs typeface=""/>
+        <a:font script="Jpan" typeface="ＭＳ Ｐゴシック"/>
+        <a:font script="Hang" typeface="맑은 고딕"/>
+        <a:font script="Hans" typeface="宋体"/>
+        <a:font script="Hant" typeface="新細明體"/>
+        <a:font script="Arab" typeface="Times New Roman"/>
+        <a:font script="Hebr" typeface="Times New Roman"/>
+        <a:font script="Thai" typeface="Angsana New"/>
+        <a:font script="Ethi" typeface="Nyala"/>
+        <a:font script="Beng" typeface="Vrinda"/>
+        <a:font script="Gujr" typeface="Shruti"/>
+        <a:font script="Khmr" typeface="MoolBoran"/>
+        <a:font script="Knda" typeface="Tunga"/>
+        <a:font script="Guru" typeface="Raavi"/>
+        <a:font script="Cans" typeface="Euphemia"/>
+        <a:font script="Cher" typeface="Plantagenet Cherokee"/>
+        <a:font script="Yiii" typeface="Microsoft Yi Baiti"/>
+        <a:font script="Tibt" typeface="Microsoft Himalaya"/>
+        <a:font script="Thaa" typeface="MV Boli"/>
+        <a:font script="Deva" typeface="Mangal"/>
+        <a:font script="Telu" typeface="Gautami"/>
+        <a:font script="Taml" typeface="Latha"/>
+        <a:font script="Syrc" typeface="Estrangelo Edessa"/>
+        <a:font script="Orya" typeface="Kalinga"/>
+        <a:font script="Mlym" typeface="Kartika"/>
+        <a:font script="Laoo" typeface="DokChampa"/>
+        <a:font script="Sinh" typeface="Iskoola Pota"/>
+        <a:font script="Mong" typeface="Mongolian Baiti"/>
+        <a:font script="Viet" typeface="Times New Roman"/>
+        <a:font script="Uigh" typeface="Microsoft Uighur"/>
+        <a:font script="Geor" typeface="Sylfaen"/>
+      </a:majorFont>
+      <a:minorFont>
+        <a:latin typeface="Arial"/>
+        <a:ea typeface=""/>
+        <a:cs typeface=""/>
+        <a:font script="Jpan" typeface="ＭＳ Ｐゴシック"/>
+        <a:font script="Hang" typeface="맑은 고딕"/>
+        <a:font script="Hans" typeface="宋体"/>
+        <a:font script="Hant" typeface="新細明體"/>
+        <a:font script="Arab" typeface="Arial"/>
+        <a:font script="Hebr" typeface="Arial"/>
+        <a:font script="Thai" typeface="Cordia New"/>
+        <a:font script="Ethi" typeface="Nyala"/>
+        <a:font script="Beng" typeface="Vrinda"/>
+        <a:font script="Gujr" typeface="Shruti"/>
+        <a:font script="Khmr" typeface="DaunPenh"/>
+        <a:font script="Knda" typeface="Tunga"/>
+        <a:font script="Guru" typeface="Raavi"/>
+        <a:font script="Cans" typeface="Euphemia"/>
+        <a:font script="Cher" typeface="Plantagenet Cherokee"/>
+        <a:font script="Yiii" typeface="Microsoft Yi Baiti"/>
+        <a:font script="Tibt" typeface="Microsoft Himalaya"/>
+        <a:font script="Thaa" typeface="MV Boli"/>
+        <a:font script="Deva" typeface="Mangal"/>
+        <a:font script="Telu" typeface="Gautami"/>
+        <a:font script="Taml" typeface="Latha"/>
+        <a:font script="Syrc" typeface="Estrangelo Edessa"/>
+        <a:font script="Orya" typeface="Kalinga"/>
+        <a:font script="Mlym" typeface="Kartika"/>
+        <a:font script="Laoo" typeface="DokChampa"/>
+        <a:font script="Sinh" typeface="Iskoola Pota"/>
+        <a:font script="Mong" typeface="Mongolian Baiti"/>
+        <a:font script="Viet" typeface="Arial"/>
+        <a:font script="Uigh" typeface="Microsoft Uighur"/>
+        <a:font script="Geor" typeface="Sylfaen"/>
+      </a:minorFont>
+    </a:fontScheme>
+    <a:fmtScheme name="Office">
+      <a:fillStyleLst>
+        <a:solidFill>
+          <a:schemeClr val="phClr"/>
+        </a:solidFill>
+        <a:gradFill rotWithShape="1">
+          <a:gsLst>
+            <a:gs pos="0">
+              <a:schemeClr val="phClr">
+                <a:tint val="50000"/>
+                <a:satMod val="300000"/>
+              </a:schemeClr>
+            </a:gs>
+            <a:gs pos="35000">
+              <a:schemeClr val="phClr">
+                <a:tint val="37000"/>
+                <a:satMod val="300000"/>
+              </a:schemeClr>
+            </a:gs>
+            <a:gs pos="100000">
+              <a:schemeClr val="phClr">
+                <a:tint val="15000"/>
+                <a:satMod val="350000"/>
+              </a:schemeClr>
+            </a:gs>
+          </a:gsLst>
+          <a:lin ang="16200000" scaled="1"/>
+        </a:gradFill>
+        <a:gradFill rotWithShape="1">
+          <a:gsLst>
+            <a:gs pos="0">
+              <a:schemeClr val="phClr">
+                <a:tint val="100000"/>
+                <a:shade val="100000"/>
+                <a:satMod val="130000"/>
+              </a:schemeClr>
+            </a:gs>
+            <a:gs pos="100000">
+              <a:schemeClr val="phClr">
+                <a:tint val="50000"/>
+                <a:shade val="100000"/>
+                <a:satMod val="350000"/>
+              </a:schemeClr>
+            </a:gs>
+          </a:gsLst>
+          <a:lin ang="16200000" scaled="0"/>
+        </a:gradFill>
+      </a:fillStyleLst>
+      <a:lnStyleLst>
+        <a:ln w="9525" cap="flat" cmpd="sng" algn="ctr">
+          <a:solidFill>
+            <a:schemeClr val="phClr">
+              <a:shade val="95000"/>
+              <a:satMod val="105000"/>
+            </a:schemeClr>
+          </a:solidFill>
+          <a:prstDash val="solid"/>
+        </a:ln>
+        <a:ln w="25400" cap="flat" cmpd="sng" algn="ctr">
+          <a:solidFill>
+            <a:schemeClr val="phClr"/>
+          </a:solidFill>
+          <a:prstDash val="solid"/>
+        </a:ln>
+        <a:ln w="38100" cap="flat" cmpd="sng" algn="ctr">
+          <a:solidFill>
+            <a:schemeClr val="phClr"/>
+          </a:solidFill>
+          <a:prstDash val="solid"/>
+        </a:ln>
+      </a:lnStyleLst>
+      <a:effectStyleLst>
+        <a:effectStyle>
+          <a:effectLst>
+            <a:outerShdw blurRad="40000" dist="20000" dir="5400000" rotWithShape="0">
+              <a:srgbClr val="000000">
+                <a:alpha val="38000"/>
+              </a:srgbClr>
+            </a:outerShdw>
+          </a:effectLst>
+        </a:effectStyle>
+        <a:effectStyle>
+          <a:effectLst>
+            <a:outerShdw blurRad="40000" dist="23000" dir="5400000" rotWithShape="0">
+              <a:srgbClr val="000000">
+                <a:alpha val="35000"/>
+              </a:srgbClr>
+            </a:outerShdw>
+          </a:effectLst>
+        </a:effectStyle>
+        <a:effectStyle>
+          <a:effectLst>
+            <a:outerShdw blurRad="40000" dist="23000" dir="5400000" rotWithShape="0">
+              <a:srgbClr val="000000">
+                <a:alpha val="35000"/>
+              </a:srgbClr>
+            </a:outerShdw>
+          </a:effectLst>
+          <a:scene3d>
+            <a:camera prst="orthographicFront">
+              <a:rot lat="0" lon="0" rev="0"/>
+            </a:camera>
+            <a:lightRig rig="threePt" dir="t">
+              <a:rot lat="0" lon="0" rev="1200000"/>
+            </a:lightRig>
+          </a:scene3d>
+          <a:sp3d>
+            <a:bevelT w="63500" h="25400"/>
+          </a:sp3d>
+        </a:effectStyle>
+      </a:effectStyleLst>
+      <a:bgFillStyleLst>
+        <a:solidFill>
+          <a:schemeClr val="phClr"/>
+        </a:solidFill>
+        <a:gradFill rotWithShape="1">
+          <a:gsLst>
+            <a:gs pos="0">
+              <a:schemeClr val="phClr">
+                <a:tint val="40000"/>
+                <a:satMod val="350000"/>
+              </a:schemeClr>
+            </a:gs>
+            <a:gs pos="40000">
+              <a:schemeClr val="phClr">
+                <a:tint val="45000"/>
+                <a:shade val="99000"/>
+                <a:satMod val="350000"/>
+              </a:schemeClr>
+            </a:gs>
+            <a:gs pos="100000">
+              <a:schemeClr val="phClr">
+                <a:shade val="20000"/>
+                <a:satMod val="255000"/>
+              </a:schemeClr>
+            </a:gs>
+          </a:gsLst>
+          <a:path path="circle">
+            <a:fillToRect l="50000" t="-80000" r="50000" b="180000"/>
+          </a:path>
+        </a:gradFill>
+        <a:gradFill rotWithShape="1">
+          <a:gsLst>
+            <a:gs pos="0">
+              <a:schemeClr val="phClr">
+                <a:tint val="80000"/>
+                <a:satMod val="300000"/>
+              </a:schemeClr>
+            </a:gs>
+            <a:gs pos="100000">
+              <a:schemeClr val="phClr">
+                <a:shade val="30000"/>
+                <a:satMod val="200000"/>
+              </a:schemeClr>
+            </a:gs>
+          </a:gsLst>
+          <a:path path="circle">
+            <a:fillToRect l="50000" t="50000" r="50000" b="50000"/>
+          </a:path>
+        </a:gradFill>
+      </a:bgFillStyleLst>
+    </a:fmtScheme>
+  </a:themeElements>
+</a:theme>
+</file>
+
+<file path=ppt/theme/theme2.xml><?xml version="1.0" encoding="utf-8"?>
 <a:theme xmlns:a="http://schemas.openxmlformats.org/drawingml/2006/main" xmlns:r="http://schemas.openxmlformats.org/officeDocument/2006/relationships">
   <a:themeElements>
     <a:clrScheme name="Default">
@@ -12819,283 +14228,4 @@
     </a:fmtScheme>
   </a:themeElements>
 </a:theme>
-</file>
-
-<file path=ppt/theme/theme2.xml><?xml version="1.0" encoding="utf-8"?>
-<a:theme xmlns:a="http://schemas.openxmlformats.org/drawingml/2006/main" xmlns:r="http://schemas.openxmlformats.org/officeDocument/2006/relationships" name="Geometric">
-  <a:themeElements>
-    <a:clrScheme name="Geometric">
-      <a:dk1>
-        <a:srgbClr val="2A3990"/>
-      </a:dk1>
-      <a:lt1>
-        <a:srgbClr val="FFFFFF"/>
-      </a:lt1>
-      <a:dk2>
-        <a:srgbClr val="434343"/>
-      </a:dk2>
-      <a:lt2>
-        <a:srgbClr val="999999"/>
-      </a:lt2>
-      <a:accent1>
-        <a:srgbClr val="212D74"/>
-      </a:accent1>
-      <a:accent2>
-        <a:srgbClr val="3949AB"/>
-      </a:accent2>
-      <a:accent3>
-        <a:srgbClr val="9C254D"/>
-      </a:accent3>
-      <a:accent4>
-        <a:srgbClr val="D23369"/>
-      </a:accent4>
-      <a:accent5>
-        <a:srgbClr val="F06292"/>
-      </a:accent5>
-      <a:accent6>
-        <a:srgbClr val="7890CD"/>
-      </a:accent6>
-      <a:hlink>
-        <a:srgbClr val="F06292"/>
-      </a:hlink>
-      <a:folHlink>
-        <a:srgbClr val="F06292"/>
-      </a:folHlink>
-    </a:clrScheme>
-    <a:fontScheme name="Office">
-      <a:majorFont>
-        <a:latin typeface="Arial"/>
-        <a:ea typeface=""/>
-        <a:cs typeface=""/>
-        <a:font script="Jpan" typeface="ＭＳ Ｐゴシック"/>
-        <a:font script="Hang" typeface="맑은 고딕"/>
-        <a:font script="Hans" typeface="宋体"/>
-        <a:font script="Hant" typeface="新細明體"/>
-        <a:font script="Arab" typeface="Times New Roman"/>
-        <a:font script="Hebr" typeface="Times New Roman"/>
-        <a:font script="Thai" typeface="Angsana New"/>
-        <a:font script="Ethi" typeface="Nyala"/>
-        <a:font script="Beng" typeface="Vrinda"/>
-        <a:font script="Gujr" typeface="Shruti"/>
-        <a:font script="Khmr" typeface="MoolBoran"/>
-        <a:font script="Knda" typeface="Tunga"/>
-        <a:font script="Guru" typeface="Raavi"/>
-        <a:font script="Cans" typeface="Euphemia"/>
-        <a:font script="Cher" typeface="Plantagenet Cherokee"/>
-        <a:font script="Yiii" typeface="Microsoft Yi Baiti"/>
-        <a:font script="Tibt" typeface="Microsoft Himalaya"/>
-        <a:font script="Thaa" typeface="MV Boli"/>
-        <a:font script="Deva" typeface="Mangal"/>
-        <a:font script="Telu" typeface="Gautami"/>
-        <a:font script="Taml" typeface="Latha"/>
-        <a:font script="Syrc" typeface="Estrangelo Edessa"/>
-        <a:font script="Orya" typeface="Kalinga"/>
-        <a:font script="Mlym" typeface="Kartika"/>
-        <a:font script="Laoo" typeface="DokChampa"/>
-        <a:font script="Sinh" typeface="Iskoola Pota"/>
-        <a:font script="Mong" typeface="Mongolian Baiti"/>
-        <a:font script="Viet" typeface="Times New Roman"/>
-        <a:font script="Uigh" typeface="Microsoft Uighur"/>
-        <a:font script="Geor" typeface="Sylfaen"/>
-      </a:majorFont>
-      <a:minorFont>
-        <a:latin typeface="Arial"/>
-        <a:ea typeface=""/>
-        <a:cs typeface=""/>
-        <a:font script="Jpan" typeface="ＭＳ Ｐゴシック"/>
-        <a:font script="Hang" typeface="맑은 고딕"/>
-        <a:font script="Hans" typeface="宋体"/>
-        <a:font script="Hant" typeface="新細明體"/>
-        <a:font script="Arab" typeface="Arial"/>
-        <a:font script="Hebr" typeface="Arial"/>
-        <a:font script="Thai" typeface="Cordia New"/>
-        <a:font script="Ethi" typeface="Nyala"/>
-        <a:font script="Beng" typeface="Vrinda"/>
-        <a:font script="Gujr" typeface="Shruti"/>
-        <a:font script="Khmr" typeface="DaunPenh"/>
-        <a:font script="Knda" typeface="Tunga"/>
-        <a:font script="Guru" typeface="Raavi"/>
-        <a:font script="Cans" typeface="Euphemia"/>
-        <a:font script="Cher" typeface="Plantagenet Cherokee"/>
-        <a:font script="Yiii" typeface="Microsoft Yi Baiti"/>
-        <a:font script="Tibt" typeface="Microsoft Himalaya"/>
-        <a:font script="Thaa" typeface="MV Boli"/>
-        <a:font script="Deva" typeface="Mangal"/>
-        <a:font script="Telu" typeface="Gautami"/>
-        <a:font script="Taml" typeface="Latha"/>
-        <a:font script="Syrc" typeface="Estrangelo Edessa"/>
-        <a:font script="Orya" typeface="Kalinga"/>
-        <a:font script="Mlym" typeface="Kartika"/>
-        <a:font script="Laoo" typeface="DokChampa"/>
-        <a:font script="Sinh" typeface="Iskoola Pota"/>
-        <a:font script="Mong" typeface="Mongolian Baiti"/>
-        <a:font script="Viet" typeface="Arial"/>
-        <a:font script="Uigh" typeface="Microsoft Uighur"/>
-        <a:font script="Geor" typeface="Sylfaen"/>
-      </a:minorFont>
-    </a:fontScheme>
-    <a:fmtScheme name="Office">
-      <a:fillStyleLst>
-        <a:solidFill>
-          <a:schemeClr val="phClr"/>
-        </a:solidFill>
-        <a:gradFill rotWithShape="1">
-          <a:gsLst>
-            <a:gs pos="0">
-              <a:schemeClr val="phClr">
-                <a:tint val="50000"/>
-                <a:satMod val="300000"/>
-              </a:schemeClr>
-            </a:gs>
-            <a:gs pos="35000">
-              <a:schemeClr val="phClr">
-                <a:tint val="37000"/>
-                <a:satMod val="300000"/>
-              </a:schemeClr>
-            </a:gs>
-            <a:gs pos="100000">
-              <a:schemeClr val="phClr">
-                <a:tint val="15000"/>
-                <a:satMod val="350000"/>
-              </a:schemeClr>
-            </a:gs>
-          </a:gsLst>
-          <a:lin ang="16200000" scaled="1"/>
-        </a:gradFill>
-        <a:gradFill rotWithShape="1">
-          <a:gsLst>
-            <a:gs pos="0">
-              <a:schemeClr val="phClr">
-                <a:tint val="100000"/>
-                <a:shade val="100000"/>
-                <a:satMod val="130000"/>
-              </a:schemeClr>
-            </a:gs>
-            <a:gs pos="100000">
-              <a:schemeClr val="phClr">
-                <a:tint val="50000"/>
-                <a:shade val="100000"/>
-                <a:satMod val="350000"/>
-              </a:schemeClr>
-            </a:gs>
-          </a:gsLst>
-          <a:lin ang="16200000" scaled="0"/>
-        </a:gradFill>
-      </a:fillStyleLst>
-      <a:lnStyleLst>
-        <a:ln w="9525" cap="flat" cmpd="sng" algn="ctr">
-          <a:solidFill>
-            <a:schemeClr val="phClr">
-              <a:shade val="95000"/>
-              <a:satMod val="105000"/>
-            </a:schemeClr>
-          </a:solidFill>
-          <a:prstDash val="solid"/>
-        </a:ln>
-        <a:ln w="25400" cap="flat" cmpd="sng" algn="ctr">
-          <a:solidFill>
-            <a:schemeClr val="phClr"/>
-          </a:solidFill>
-          <a:prstDash val="solid"/>
-        </a:ln>
-        <a:ln w="38100" cap="flat" cmpd="sng" algn="ctr">
-          <a:solidFill>
-            <a:schemeClr val="phClr"/>
-          </a:solidFill>
-          <a:prstDash val="solid"/>
-        </a:ln>
-      </a:lnStyleLst>
-      <a:effectStyleLst>
-        <a:effectStyle>
-          <a:effectLst>
-            <a:outerShdw blurRad="40000" dist="20000" dir="5400000" rotWithShape="0">
-              <a:srgbClr val="000000">
-                <a:alpha val="38000"/>
-              </a:srgbClr>
-            </a:outerShdw>
-          </a:effectLst>
-        </a:effectStyle>
-        <a:effectStyle>
-          <a:effectLst>
-            <a:outerShdw blurRad="40000" dist="23000" dir="5400000" rotWithShape="0">
-              <a:srgbClr val="000000">
-                <a:alpha val="35000"/>
-              </a:srgbClr>
-            </a:outerShdw>
-          </a:effectLst>
-        </a:effectStyle>
-        <a:effectStyle>
-          <a:effectLst>
-            <a:outerShdw blurRad="40000" dist="23000" dir="5400000" rotWithShape="0">
-              <a:srgbClr val="000000">
-                <a:alpha val="35000"/>
-              </a:srgbClr>
-            </a:outerShdw>
-          </a:effectLst>
-          <a:scene3d>
-            <a:camera prst="orthographicFront">
-              <a:rot lat="0" lon="0" rev="0"/>
-            </a:camera>
-            <a:lightRig rig="threePt" dir="t">
-              <a:rot lat="0" lon="0" rev="1200000"/>
-            </a:lightRig>
-          </a:scene3d>
-          <a:sp3d>
-            <a:bevelT w="63500" h="25400"/>
-          </a:sp3d>
-        </a:effectStyle>
-      </a:effectStyleLst>
-      <a:bgFillStyleLst>
-        <a:solidFill>
-          <a:schemeClr val="phClr"/>
-        </a:solidFill>
-        <a:gradFill rotWithShape="1">
-          <a:gsLst>
-            <a:gs pos="0">
-              <a:schemeClr val="phClr">
-                <a:tint val="40000"/>
-                <a:satMod val="350000"/>
-              </a:schemeClr>
-            </a:gs>
-            <a:gs pos="40000">
-              <a:schemeClr val="phClr">
-                <a:tint val="45000"/>
-                <a:shade val="99000"/>
-                <a:satMod val="350000"/>
-              </a:schemeClr>
-            </a:gs>
-            <a:gs pos="100000">
-              <a:schemeClr val="phClr">
-                <a:shade val="20000"/>
-                <a:satMod val="255000"/>
-              </a:schemeClr>
-            </a:gs>
-          </a:gsLst>
-          <a:path path="circle">
-            <a:fillToRect l="50000" t="-80000" r="50000" b="180000"/>
-          </a:path>
-        </a:gradFill>
-        <a:gradFill rotWithShape="1">
-          <a:gsLst>
-            <a:gs pos="0">
-              <a:schemeClr val="phClr">
-                <a:tint val="80000"/>
-                <a:satMod val="300000"/>
-              </a:schemeClr>
-            </a:gs>
-            <a:gs pos="100000">
-              <a:schemeClr val="phClr">
-                <a:shade val="30000"/>
-                <a:satMod val="200000"/>
-              </a:schemeClr>
-            </a:gs>
-          </a:gsLst>
-          <a:path path="circle">
-            <a:fillToRect l="50000" t="50000" r="50000" b="50000"/>
-          </a:path>
-        </a:gradFill>
-      </a:bgFillStyleLst>
-    </a:fmtScheme>
-  </a:themeElements>
-</a:theme>
 </file>